--- a/Naive_Bayes/images/Bayes_theorem.pptx
+++ b/Naive_Bayes/images/Bayes_theorem.pptx
@@ -107,6 +107,11 @@
       </a:defRPr>
     </a:lvl9pPr>
   </p:defaultTextStyle>
+  <p:extLst>
+    <p:ext uri="{EFAFB233-063F-42B5-8137-9DF3F51BA10A}">
+      <p15:sldGuideLst xmlns:p15="http://schemas.microsoft.com/office/powerpoint/2012/main"/>
+    </p:ext>
+  </p:extLst>
 </p:presentation>
 </file>
 
@@ -3762,10 +3767,10 @@
       </p:grpSpPr>
       <p:grpSp>
         <p:nvGrpSpPr>
-          <p:cNvPr id="39" name="Group 38">
+          <p:cNvPr id="13" name="Group 12">
             <a:extLst>
               <a:ext uri="{FF2B5EF4-FFF2-40B4-BE49-F238E27FC236}">
-                <a16:creationId xmlns:a16="http://schemas.microsoft.com/office/drawing/2014/main" id="{9356E704-0891-7E4C-8D40-6F40A181CD2C}"/>
+                <a16:creationId xmlns:a16="http://schemas.microsoft.com/office/drawing/2014/main" id="{F7513366-BEEB-FA4B-A877-F2DBAC96073F}"/>
               </a:ext>
             </a:extLst>
           </p:cNvPr>
@@ -3774,451 +3779,12 @@
         </p:nvGrpSpPr>
         <p:grpSpPr>
           <a:xfrm>
-            <a:off x="95861" y="513567"/>
-            <a:ext cx="11089558" cy="5989475"/>
-            <a:chOff x="95861" y="513567"/>
-            <a:chExt cx="11089558" cy="5989475"/>
+            <a:off x="463667" y="513567"/>
+            <a:ext cx="11173493" cy="5989475"/>
+            <a:chOff x="463667" y="513567"/>
+            <a:chExt cx="11173493" cy="5989475"/>
           </a:xfrm>
         </p:grpSpPr>
-        <p:sp>
-          <p:nvSpPr>
-            <p:cNvPr id="2" name="Oval 1">
-              <a:extLst>
-                <a:ext uri="{FF2B5EF4-FFF2-40B4-BE49-F238E27FC236}">
-                  <a16:creationId xmlns:a16="http://schemas.microsoft.com/office/drawing/2014/main" id="{38A546F7-45B7-BB44-BF13-E5424413B1BB}"/>
-                </a:ext>
-              </a:extLst>
-            </p:cNvPr>
-            <p:cNvSpPr/>
-            <p:nvPr/>
-          </p:nvSpPr>
-          <p:spPr>
-            <a:xfrm>
-              <a:off x="3841313" y="886393"/>
-              <a:ext cx="2562868" cy="1992086"/>
-            </a:xfrm>
-            <a:prstGeom prst="ellipse">
-              <a:avLst/>
-            </a:prstGeom>
-            <a:solidFill>
-              <a:schemeClr val="accent2">
-                <a:lumMod val="60000"/>
-                <a:lumOff val="40000"/>
-                <a:alpha val="80000"/>
-              </a:schemeClr>
-            </a:solidFill>
-          </p:spPr>
-          <p:style>
-            <a:lnRef idx="1">
-              <a:schemeClr val="accent2"/>
-            </a:lnRef>
-            <a:fillRef idx="2">
-              <a:schemeClr val="accent2"/>
-            </a:fillRef>
-            <a:effectRef idx="1">
-              <a:schemeClr val="accent2"/>
-            </a:effectRef>
-            <a:fontRef idx="minor">
-              <a:schemeClr val="dk1"/>
-            </a:fontRef>
-          </p:style>
-          <p:txBody>
-            <a:bodyPr rtlCol="0" anchor="ctr"/>
-            <a:lstStyle/>
-            <a:p>
-              <a:pPr algn="ctr"/>
-              <a:endParaRPr lang="en-US"/>
-            </a:p>
-          </p:txBody>
-        </p:sp>
-        <p:sp>
-          <p:nvSpPr>
-            <p:cNvPr id="4" name="TextBox 3">
-              <a:extLst>
-                <a:ext uri="{FF2B5EF4-FFF2-40B4-BE49-F238E27FC236}">
-                  <a16:creationId xmlns:a16="http://schemas.microsoft.com/office/drawing/2014/main" id="{86B08D3B-FCDD-174D-A896-4A39EDD0E8BF}"/>
-                </a:ext>
-              </a:extLst>
-            </p:cNvPr>
-            <p:cNvSpPr txBox="1"/>
-            <p:nvPr/>
-          </p:nvSpPr>
-          <p:spPr>
-            <a:xfrm>
-              <a:off x="3097140" y="701727"/>
-              <a:ext cx="591829" cy="369332"/>
-            </a:xfrm>
-            <a:prstGeom prst="rect">
-              <a:avLst/>
-            </a:prstGeom>
-            <a:noFill/>
-          </p:spPr>
-          <p:txBody>
-            <a:bodyPr wrap="none" rtlCol="0">
-              <a:spAutoFit/>
-            </a:bodyPr>
-            <a:lstStyle/>
-            <a:p>
-              <a:r>
-                <a:rPr lang="en-US" dirty="0"/>
-                <a:t>p(H)</a:t>
-              </a:r>
-            </a:p>
-          </p:txBody>
-        </p:sp>
-        <p:sp>
-          <p:nvSpPr>
-            <p:cNvPr id="5" name="TextBox 4">
-              <a:extLst>
-                <a:ext uri="{FF2B5EF4-FFF2-40B4-BE49-F238E27FC236}">
-                  <a16:creationId xmlns:a16="http://schemas.microsoft.com/office/drawing/2014/main" id="{0423E661-7100-FB4D-BD7B-63115D307BC5}"/>
-                </a:ext>
-              </a:extLst>
-            </p:cNvPr>
-            <p:cNvSpPr txBox="1"/>
-            <p:nvPr/>
-          </p:nvSpPr>
-          <p:spPr>
-            <a:xfrm>
-              <a:off x="9503905" y="701727"/>
-              <a:ext cx="559769" cy="369332"/>
-            </a:xfrm>
-            <a:prstGeom prst="rect">
-              <a:avLst/>
-            </a:prstGeom>
-            <a:noFill/>
-          </p:spPr>
-          <p:txBody>
-            <a:bodyPr wrap="none" rtlCol="0">
-              <a:spAutoFit/>
-            </a:bodyPr>
-            <a:lstStyle/>
-            <a:p>
-              <a:r>
-                <a:rPr lang="en-US" dirty="0"/>
-                <a:t>p(E)</a:t>
-              </a:r>
-            </a:p>
-          </p:txBody>
-        </p:sp>
-        <p:sp>
-          <p:nvSpPr>
-            <p:cNvPr id="10" name="Oval 9">
-              <a:extLst>
-                <a:ext uri="{FF2B5EF4-FFF2-40B4-BE49-F238E27FC236}">
-                  <a16:creationId xmlns:a16="http://schemas.microsoft.com/office/drawing/2014/main" id="{1D318D28-CD8D-4942-A4C9-62FCF42F1661}"/>
-                </a:ext>
-              </a:extLst>
-            </p:cNvPr>
-            <p:cNvSpPr/>
-            <p:nvPr/>
-          </p:nvSpPr>
-          <p:spPr>
-            <a:xfrm>
-              <a:off x="4737830" y="886393"/>
-              <a:ext cx="4634717" cy="1992086"/>
-            </a:xfrm>
-            <a:prstGeom prst="ellipse">
-              <a:avLst/>
-            </a:prstGeom>
-            <a:solidFill>
-              <a:schemeClr val="accent6">
-                <a:lumMod val="60000"/>
-                <a:lumOff val="40000"/>
-                <a:alpha val="80000"/>
-              </a:schemeClr>
-            </a:solidFill>
-          </p:spPr>
-          <p:style>
-            <a:lnRef idx="1">
-              <a:schemeClr val="accent6"/>
-            </a:lnRef>
-            <a:fillRef idx="2">
-              <a:schemeClr val="accent6"/>
-            </a:fillRef>
-            <a:effectRef idx="1">
-              <a:schemeClr val="accent6"/>
-            </a:effectRef>
-            <a:fontRef idx="minor">
-              <a:schemeClr val="dk1"/>
-            </a:fontRef>
-          </p:style>
-          <p:txBody>
-            <a:bodyPr rtlCol="0" anchor="ctr"/>
-            <a:lstStyle/>
-            <a:p>
-              <a:pPr algn="ctr"/>
-              <a:endParaRPr lang="en-US"/>
-            </a:p>
-          </p:txBody>
-        </p:sp>
-        <mc:AlternateContent xmlns:mc="http://schemas.openxmlformats.org/markup-compatibility/2006">
-          <mc:Choice xmlns:a14="http://schemas.microsoft.com/office/drawing/2010/main" Requires="a14">
-            <p:sp>
-              <p:nvSpPr>
-                <p:cNvPr id="11" name="TextBox 10">
-                  <a:extLst>
-                    <a:ext uri="{FF2B5EF4-FFF2-40B4-BE49-F238E27FC236}">
-                      <a16:creationId xmlns:a16="http://schemas.microsoft.com/office/drawing/2014/main" id="{00FBE744-4422-3E44-B15D-B27AB2F4CCC8}"/>
-                    </a:ext>
-                  </a:extLst>
-                </p:cNvPr>
-                <p:cNvSpPr txBox="1"/>
-                <p:nvPr/>
-              </p:nvSpPr>
-              <p:spPr>
-                <a:xfrm>
-                  <a:off x="3088573" y="3730580"/>
-                  <a:ext cx="4509376" cy="369332"/>
-                </a:xfrm>
-                <a:prstGeom prst="rect">
-                  <a:avLst/>
-                </a:prstGeom>
-                <a:noFill/>
-              </p:spPr>
-              <p:txBody>
-                <a:bodyPr wrap="none" rtlCol="0">
-                  <a:spAutoFit/>
-                </a:bodyPr>
-                <a:lstStyle/>
-                <a:p>
-                  <a14:m>
-                    <m:oMathPara xmlns:m="http://schemas.openxmlformats.org/officeDocument/2006/math">
-                      <m:oMathParaPr>
-                        <m:jc m:val="centerGroup"/>
-                      </m:oMathParaPr>
-                      <m:oMath xmlns:m="http://schemas.openxmlformats.org/officeDocument/2006/math">
-                        <m:r>
-                          <a:rPr lang="en-US" b="0" i="1" smtClean="0">
-                            <a:latin typeface="Cambria Math" panose="02040503050406030204" pitchFamily="18" charset="0"/>
-                          </a:rPr>
-                          <m:t>𝑝</m:t>
-                        </m:r>
-                        <m:d>
-                          <m:dPr>
-                            <m:ctrlPr>
-                              <a:rPr lang="en-US" b="0" i="1" smtClean="0">
-                                <a:latin typeface="Cambria Math" panose="02040503050406030204" pitchFamily="18" charset="0"/>
-                              </a:rPr>
-                            </m:ctrlPr>
-                          </m:dPr>
-                          <m:e>
-                            <m:r>
-                              <a:rPr lang="en-US" b="0" i="1" smtClean="0">
-                                <a:latin typeface="Cambria Math" panose="02040503050406030204" pitchFamily="18" charset="0"/>
-                              </a:rPr>
-                              <m:t>𝐸</m:t>
-                            </m:r>
-                            <m:r>
-                              <a:rPr lang="en-US" b="0" i="1" smtClean="0">
-                                <a:latin typeface="Cambria Math" panose="02040503050406030204" pitchFamily="18" charset="0"/>
-                                <a:ea typeface="Cambria Math" panose="02040503050406030204" pitchFamily="18" charset="0"/>
-                              </a:rPr>
-                              <m:t>∩</m:t>
-                            </m:r>
-                            <m:r>
-                              <a:rPr lang="en-US" b="0" i="1" smtClean="0">
-                                <a:latin typeface="Cambria Math" panose="02040503050406030204" pitchFamily="18" charset="0"/>
-                                <a:ea typeface="Cambria Math" panose="02040503050406030204" pitchFamily="18" charset="0"/>
-                              </a:rPr>
-                              <m:t>𝐻</m:t>
-                            </m:r>
-                          </m:e>
-                        </m:d>
-                        <m:r>
-                          <a:rPr lang="en-US" b="0" i="1" smtClean="0">
-                            <a:latin typeface="Cambria Math" panose="02040503050406030204" pitchFamily="18" charset="0"/>
-                          </a:rPr>
-                          <m:t>=</m:t>
-                        </m:r>
-                        <m:r>
-                          <a:rPr lang="en-US" b="0" i="1" smtClean="0">
-                            <a:latin typeface="Cambria Math" panose="02040503050406030204" pitchFamily="18" charset="0"/>
-                          </a:rPr>
-                          <m:t>𝑝</m:t>
-                        </m:r>
-                        <m:d>
-                          <m:dPr>
-                            <m:ctrlPr>
-                              <a:rPr lang="en-US" b="0" i="1" smtClean="0">
-                                <a:latin typeface="Cambria Math" panose="02040503050406030204" pitchFamily="18" charset="0"/>
-                              </a:rPr>
-                            </m:ctrlPr>
-                          </m:dPr>
-                          <m:e>
-                            <m:r>
-                              <a:rPr lang="en-US" b="0" i="1" smtClean="0">
-                                <a:latin typeface="Cambria Math" panose="02040503050406030204" pitchFamily="18" charset="0"/>
-                              </a:rPr>
-                              <m:t>𝐸</m:t>
-                            </m:r>
-                          </m:e>
-                          <m:e>
-                            <m:r>
-                              <a:rPr lang="en-US" b="0" i="1" smtClean="0">
-                                <a:latin typeface="Cambria Math" panose="02040503050406030204" pitchFamily="18" charset="0"/>
-                              </a:rPr>
-                              <m:t>𝐻</m:t>
-                            </m:r>
-                          </m:e>
-                        </m:d>
-                        <m:r>
-                          <a:rPr lang="en-US" b="0" i="1" smtClean="0">
-                            <a:latin typeface="Cambria Math" panose="02040503050406030204" pitchFamily="18" charset="0"/>
-                            <a:ea typeface="Cambria Math" panose="02040503050406030204" pitchFamily="18" charset="0"/>
-                          </a:rPr>
-                          <m:t>∙</m:t>
-                        </m:r>
-                        <m:r>
-                          <a:rPr lang="en-US" b="0" i="1" smtClean="0">
-                            <a:latin typeface="Cambria Math" panose="02040503050406030204" pitchFamily="18" charset="0"/>
-                            <a:ea typeface="Cambria Math" panose="02040503050406030204" pitchFamily="18" charset="0"/>
-                          </a:rPr>
-                          <m:t>𝑝</m:t>
-                        </m:r>
-                        <m:d>
-                          <m:dPr>
-                            <m:ctrlPr>
-                              <a:rPr lang="en-US" b="0" i="1" smtClean="0">
-                                <a:latin typeface="Cambria Math" panose="02040503050406030204" pitchFamily="18" charset="0"/>
-                                <a:ea typeface="Cambria Math" panose="02040503050406030204" pitchFamily="18" charset="0"/>
-                              </a:rPr>
-                            </m:ctrlPr>
-                          </m:dPr>
-                          <m:e>
-                            <m:r>
-                              <a:rPr lang="en-US" b="0" i="1" smtClean="0">
-                                <a:latin typeface="Cambria Math" panose="02040503050406030204" pitchFamily="18" charset="0"/>
-                                <a:ea typeface="Cambria Math" panose="02040503050406030204" pitchFamily="18" charset="0"/>
-                              </a:rPr>
-                              <m:t>𝐻</m:t>
-                            </m:r>
-                          </m:e>
-                        </m:d>
-                        <m:r>
-                          <a:rPr lang="en-US" b="0" i="0" smtClean="0">
-                            <a:latin typeface="Cambria Math" panose="02040503050406030204" pitchFamily="18" charset="0"/>
-                            <a:ea typeface="Cambria Math" panose="02040503050406030204" pitchFamily="18" charset="0"/>
-                          </a:rPr>
-                          <m:t>=</m:t>
-                        </m:r>
-                        <m:r>
-                          <a:rPr lang="en-US" b="0" i="1" smtClean="0">
-                            <a:latin typeface="Cambria Math" panose="02040503050406030204" pitchFamily="18" charset="0"/>
-                          </a:rPr>
-                          <m:t>𝑝</m:t>
-                        </m:r>
-                        <m:d>
-                          <m:dPr>
-                            <m:ctrlPr>
-                              <a:rPr lang="en-US" b="0" i="1" smtClean="0">
-                                <a:latin typeface="Cambria Math" panose="02040503050406030204" pitchFamily="18" charset="0"/>
-                              </a:rPr>
-                            </m:ctrlPr>
-                          </m:dPr>
-                          <m:e>
-                            <m:r>
-                              <a:rPr lang="en-US" b="0" i="1" smtClean="0">
-                                <a:latin typeface="Cambria Math" panose="02040503050406030204" pitchFamily="18" charset="0"/>
-                              </a:rPr>
-                              <m:t>𝐻</m:t>
-                            </m:r>
-                          </m:e>
-                          <m:e>
-                            <m:r>
-                              <a:rPr lang="en-US" b="0" i="1" smtClean="0">
-                                <a:latin typeface="Cambria Math" panose="02040503050406030204" pitchFamily="18" charset="0"/>
-                              </a:rPr>
-                              <m:t>𝐸</m:t>
-                            </m:r>
-                          </m:e>
-                        </m:d>
-                        <m:r>
-                          <a:rPr lang="en-US" b="0" i="1" smtClean="0">
-                            <a:latin typeface="Cambria Math" panose="02040503050406030204" pitchFamily="18" charset="0"/>
-                            <a:ea typeface="Cambria Math" panose="02040503050406030204" pitchFamily="18" charset="0"/>
-                          </a:rPr>
-                          <m:t>∙</m:t>
-                        </m:r>
-                        <m:r>
-                          <a:rPr lang="en-US" b="0" i="1" smtClean="0">
-                            <a:latin typeface="Cambria Math" panose="02040503050406030204" pitchFamily="18" charset="0"/>
-                            <a:ea typeface="Cambria Math" panose="02040503050406030204" pitchFamily="18" charset="0"/>
-                          </a:rPr>
-                          <m:t>𝑝</m:t>
-                        </m:r>
-                        <m:d>
-                          <m:dPr>
-                            <m:ctrlPr>
-                              <a:rPr lang="en-US" b="0" i="1" smtClean="0">
-                                <a:latin typeface="Cambria Math" panose="02040503050406030204" pitchFamily="18" charset="0"/>
-                                <a:ea typeface="Cambria Math" panose="02040503050406030204" pitchFamily="18" charset="0"/>
-                              </a:rPr>
-                            </m:ctrlPr>
-                          </m:dPr>
-                          <m:e>
-                            <m:r>
-                              <a:rPr lang="en-US" b="0" i="1" smtClean="0">
-                                <a:latin typeface="Cambria Math" panose="02040503050406030204" pitchFamily="18" charset="0"/>
-                                <a:ea typeface="Cambria Math" panose="02040503050406030204" pitchFamily="18" charset="0"/>
-                              </a:rPr>
-                              <m:t>𝐸</m:t>
-                            </m:r>
-                          </m:e>
-                        </m:d>
-                      </m:oMath>
-                    </m:oMathPara>
-                  </a14:m>
-                  <a:endParaRPr lang="en-US" dirty="0"/>
-                </a:p>
-              </p:txBody>
-            </p:sp>
-          </mc:Choice>
-          <mc:Fallback>
-            <p:sp>
-              <p:nvSpPr>
-                <p:cNvPr id="11" name="TextBox 10">
-                  <a:extLst>
-                    <a:ext uri="{FF2B5EF4-FFF2-40B4-BE49-F238E27FC236}">
-                      <a16:creationId xmlns:a16="http://schemas.microsoft.com/office/drawing/2014/main" id="{00FBE744-4422-3E44-B15D-B27AB2F4CCC8}"/>
-                    </a:ext>
-                  </a:extLst>
-                </p:cNvPr>
-                <p:cNvSpPr txBox="1">
-                  <a:spLocks noRot="1" noChangeAspect="1" noMove="1" noResize="1" noEditPoints="1" noAdjustHandles="1" noChangeArrowheads="1" noChangeShapeType="1" noTextEdit="1"/>
-                </p:cNvSpPr>
-                <p:nvPr/>
-              </p:nvSpPr>
-              <p:spPr>
-                <a:xfrm>
-                  <a:off x="3088573" y="3730580"/>
-                  <a:ext cx="4509376" cy="369332"/>
-                </a:xfrm>
-                <a:prstGeom prst="rect">
-                  <a:avLst/>
-                </a:prstGeom>
-                <a:blipFill>
-                  <a:blip r:embed="rId3"/>
-                  <a:stretch>
-                    <a:fillRect b="-3333"/>
-                  </a:stretch>
-                </a:blipFill>
-              </p:spPr>
-              <p:txBody>
-                <a:bodyPr/>
-                <a:lstStyle/>
-                <a:p>
-                  <a:r>
-                    <a:rPr lang="en-US">
-                      <a:noFill/>
-                    </a:rPr>
-                    <a:t> </a:t>
-                  </a:r>
-                </a:p>
-              </p:txBody>
-            </p:sp>
-          </mc:Fallback>
-        </mc:AlternateContent>
         <p:cxnSp>
           <p:nvCxnSpPr>
             <p:cNvPr id="19" name="Straight Arrow Connector 18">
@@ -4276,90 +3842,8 @@
           </p:nvCxnSpPr>
           <p:spPr>
             <a:xfrm>
-              <a:off x="6454285" y="4174644"/>
+              <a:off x="6303973" y="4174644"/>
               <a:ext cx="234765" cy="562203"/>
-            </a:xfrm>
-            <a:prstGeom prst="straightConnector1">
-              <a:avLst/>
-            </a:prstGeom>
-            <a:ln w="19050">
-              <a:tailEnd type="triangle"/>
-            </a:ln>
-          </p:spPr>
-          <p:style>
-            <a:lnRef idx="1">
-              <a:schemeClr val="accent1"/>
-            </a:lnRef>
-            <a:fillRef idx="0">
-              <a:schemeClr val="accent1"/>
-            </a:fillRef>
-            <a:effectRef idx="0">
-              <a:schemeClr val="accent1"/>
-            </a:effectRef>
-            <a:fontRef idx="minor">
-              <a:schemeClr val="tx1"/>
-            </a:fontRef>
-          </p:style>
-        </p:cxnSp>
-        <p:cxnSp>
-          <p:nvCxnSpPr>
-            <p:cNvPr id="26" name="Straight Arrow Connector 25">
-              <a:extLst>
-                <a:ext uri="{FF2B5EF4-FFF2-40B4-BE49-F238E27FC236}">
-                  <a16:creationId xmlns:a16="http://schemas.microsoft.com/office/drawing/2014/main" id="{6BB2AF63-4780-3C47-95A4-3770F6182070}"/>
-                </a:ext>
-              </a:extLst>
-            </p:cNvPr>
-            <p:cNvCxnSpPr>
-              <a:cxnSpLocks/>
-            </p:cNvCxnSpPr>
-            <p:nvPr/>
-          </p:nvCxnSpPr>
-          <p:spPr>
-            <a:xfrm>
-              <a:off x="3454889" y="1134239"/>
-              <a:ext cx="287560" cy="417076"/>
-            </a:xfrm>
-            <a:prstGeom prst="straightConnector1">
-              <a:avLst/>
-            </a:prstGeom>
-            <a:ln w="19050">
-              <a:tailEnd type="triangle"/>
-            </a:ln>
-          </p:spPr>
-          <p:style>
-            <a:lnRef idx="1">
-              <a:schemeClr val="accent1"/>
-            </a:lnRef>
-            <a:fillRef idx="0">
-              <a:schemeClr val="accent1"/>
-            </a:fillRef>
-            <a:effectRef idx="0">
-              <a:schemeClr val="accent1"/>
-            </a:effectRef>
-            <a:fontRef idx="minor">
-              <a:schemeClr val="tx1"/>
-            </a:fontRef>
-          </p:style>
-        </p:cxnSp>
-        <p:cxnSp>
-          <p:nvCxnSpPr>
-            <p:cNvPr id="29" name="Straight Arrow Connector 28">
-              <a:extLst>
-                <a:ext uri="{FF2B5EF4-FFF2-40B4-BE49-F238E27FC236}">
-                  <a16:creationId xmlns:a16="http://schemas.microsoft.com/office/drawing/2014/main" id="{3C203A59-62F3-AC4A-97DB-9DFA515CE771}"/>
-                </a:ext>
-              </a:extLst>
-            </p:cNvPr>
-            <p:cNvCxnSpPr>
-              <a:cxnSpLocks/>
-            </p:cNvCxnSpPr>
-            <p:nvPr/>
-          </p:nvCxnSpPr>
-          <p:spPr>
-            <a:xfrm flipH="1">
-              <a:off x="9374585" y="1134239"/>
-              <a:ext cx="287560" cy="417076"/>
             </a:xfrm>
             <a:prstGeom prst="straightConnector1">
               <a:avLst/>
@@ -4397,7 +3881,7 @@
           </p:nvSpPr>
           <p:spPr>
             <a:xfrm>
-              <a:off x="6124126" y="4667668"/>
+              <a:off x="5886132" y="4667668"/>
               <a:ext cx="1666351" cy="1678662"/>
             </a:xfrm>
             <a:custGeom>
@@ -4703,7 +4187,7 @@
           </p:nvSpPr>
           <p:spPr>
             <a:xfrm>
-              <a:off x="7197133" y="4510956"/>
+              <a:off x="6959139" y="4510956"/>
               <a:ext cx="3561710" cy="1992086"/>
             </a:xfrm>
             <a:custGeom>
@@ -5011,7 +4495,7 @@
               </p:nvSpPr>
               <p:spPr>
                 <a:xfrm>
-                  <a:off x="95861" y="3673250"/>
+                  <a:off x="463667" y="3504563"/>
                   <a:ext cx="2446632" cy="584199"/>
                 </a:xfrm>
                 <a:prstGeom prst="rect">
@@ -5025,6 +4509,7 @@
                 </a:bodyPr>
                 <a:lstStyle/>
                 <a:p>
+                  <a:pPr/>
                   <a14:m>
                     <m:oMathPara xmlns:m="http://schemas.openxmlformats.org/officeDocument/2006/math">
                       <m:oMathParaPr>
@@ -5193,16 +4678,16 @@
               </p:nvSpPr>
               <p:spPr>
                 <a:xfrm>
-                  <a:off x="95861" y="3673250"/>
+                  <a:off x="463667" y="3504563"/>
                   <a:ext cx="2446632" cy="584199"/>
                 </a:xfrm>
                 <a:prstGeom prst="rect">
                   <a:avLst/>
                 </a:prstGeom>
                 <a:blipFill>
-                  <a:blip r:embed="rId4"/>
+                  <a:blip r:embed="rId3"/>
                   <a:stretch>
-                    <a:fillRect l="-2073" b="-15217"/>
+                    <a:fillRect l="-2083" b="-13043"/>
                   </a:stretch>
                 </a:blipFill>
               </p:spPr>
@@ -5237,7 +4722,7 @@
               </p:nvSpPr>
               <p:spPr>
                 <a:xfrm>
-                  <a:off x="8702240" y="3669884"/>
+                  <a:off x="9153981" y="3457176"/>
                   <a:ext cx="2483179" cy="590931"/>
                 </a:xfrm>
                 <a:prstGeom prst="rect">
@@ -5251,6 +4736,7 @@
                 </a:bodyPr>
                 <a:lstStyle/>
                 <a:p>
+                  <a:pPr/>
                   <a14:m>
                     <m:oMathPara xmlns:m="http://schemas.openxmlformats.org/officeDocument/2006/math">
                       <m:oMathParaPr>
@@ -5419,16 +4905,16 @@
               </p:nvSpPr>
               <p:spPr>
                 <a:xfrm>
-                  <a:off x="8702240" y="3669884"/>
+                  <a:off x="9153981" y="3457176"/>
                   <a:ext cx="2483179" cy="590931"/>
                 </a:xfrm>
                 <a:prstGeom prst="rect">
                   <a:avLst/>
                 </a:prstGeom>
                 <a:blipFill>
-                  <a:blip r:embed="rId5"/>
+                  <a:blip r:embed="rId4"/>
                   <a:stretch>
-                    <a:fillRect l="-1538" b="-12766"/>
+                    <a:fillRect l="-1531" b="-13043"/>
                   </a:stretch>
                 </a:blipFill>
               </p:spPr>
@@ -5447,51 +4933,1559 @@
             </p:sp>
           </mc:Fallback>
         </mc:AlternateContent>
-        <p:sp>
-          <p:nvSpPr>
-            <p:cNvPr id="38" name="Rectangle 37">
+        <p:grpSp>
+          <p:nvGrpSpPr>
+            <p:cNvPr id="8" name="Group 7">
               <a:extLst>
                 <a:ext uri="{FF2B5EF4-FFF2-40B4-BE49-F238E27FC236}">
-                  <a16:creationId xmlns:a16="http://schemas.microsoft.com/office/drawing/2014/main" id="{D27F6E58-27FA-F847-B9D5-08C6E6F8B747}"/>
+                  <a16:creationId xmlns:a16="http://schemas.microsoft.com/office/drawing/2014/main" id="{64705DDC-50D2-1E4D-A056-4F6576D8C334}"/>
                 </a:ext>
               </a:extLst>
             </p:cNvPr>
-            <p:cNvSpPr/>
+            <p:cNvGrpSpPr/>
             <p:nvPr/>
-          </p:nvSpPr>
-          <p:spPr>
+          </p:nvGrpSpPr>
+          <p:grpSpPr>
             <a:xfrm>
-              <a:off x="2684831" y="513567"/>
-              <a:ext cx="7887136" cy="2592888"/>
+              <a:off x="1766170" y="513567"/>
+              <a:ext cx="9081370" cy="2592888"/>
+              <a:chOff x="1766170" y="513567"/>
+              <a:chExt cx="9081370" cy="2592888"/>
             </a:xfrm>
-            <a:prstGeom prst="rect">
-              <a:avLst/>
-            </a:prstGeom>
-            <a:noFill/>
-          </p:spPr>
-          <p:style>
-            <a:lnRef idx="2">
-              <a:schemeClr val="dk1"/>
-            </a:lnRef>
-            <a:fillRef idx="1">
-              <a:schemeClr val="lt1"/>
-            </a:fillRef>
-            <a:effectRef idx="0">
-              <a:schemeClr val="dk1"/>
-            </a:effectRef>
-            <a:fontRef idx="minor">
-              <a:schemeClr val="dk1"/>
-            </a:fontRef>
-          </p:style>
-          <p:txBody>
-            <a:bodyPr rtlCol="0" anchor="ctr"/>
-            <a:lstStyle/>
-            <a:p>
-              <a:pPr algn="ctr"/>
-              <a:endParaRPr lang="en-US"/>
-            </a:p>
-          </p:txBody>
-        </p:sp>
+          </p:grpSpPr>
+          <p:sp>
+            <p:nvSpPr>
+              <p:cNvPr id="2" name="Oval 1">
+                <a:extLst>
+                  <a:ext uri="{FF2B5EF4-FFF2-40B4-BE49-F238E27FC236}">
+                    <a16:creationId xmlns:a16="http://schemas.microsoft.com/office/drawing/2014/main" id="{38A546F7-45B7-BB44-BF13-E5424413B1BB}"/>
+                  </a:ext>
+                </a:extLst>
+              </p:cNvPr>
+              <p:cNvSpPr/>
+              <p:nvPr/>
+            </p:nvSpPr>
+            <p:spPr>
+              <a:xfrm>
+                <a:off x="3308914" y="886393"/>
+                <a:ext cx="2562868" cy="1992086"/>
+              </a:xfrm>
+              <a:prstGeom prst="ellipse">
+                <a:avLst/>
+              </a:prstGeom>
+              <a:solidFill>
+                <a:schemeClr val="accent2">
+                  <a:lumMod val="60000"/>
+                  <a:lumOff val="40000"/>
+                  <a:alpha val="80000"/>
+                </a:schemeClr>
+              </a:solidFill>
+            </p:spPr>
+            <p:style>
+              <a:lnRef idx="1">
+                <a:schemeClr val="accent2"/>
+              </a:lnRef>
+              <a:fillRef idx="2">
+                <a:schemeClr val="accent2"/>
+              </a:fillRef>
+              <a:effectRef idx="1">
+                <a:schemeClr val="accent2"/>
+              </a:effectRef>
+              <a:fontRef idx="minor">
+                <a:schemeClr val="dk1"/>
+              </a:fontRef>
+            </p:style>
+            <p:txBody>
+              <a:bodyPr rtlCol="0" anchor="ctr"/>
+              <a:lstStyle/>
+              <a:p>
+                <a:pPr algn="ctr"/>
+                <a:endParaRPr lang="en-US"/>
+              </a:p>
+            </p:txBody>
+          </p:sp>
+          <p:sp>
+            <p:nvSpPr>
+              <p:cNvPr id="4" name="TextBox 3">
+                <a:extLst>
+                  <a:ext uri="{FF2B5EF4-FFF2-40B4-BE49-F238E27FC236}">
+                    <a16:creationId xmlns:a16="http://schemas.microsoft.com/office/drawing/2014/main" id="{86B08D3B-FCDD-174D-A896-4A39EDD0E8BF}"/>
+                  </a:ext>
+                </a:extLst>
+              </p:cNvPr>
+              <p:cNvSpPr txBox="1"/>
+              <p:nvPr/>
+            </p:nvSpPr>
+            <p:spPr>
+              <a:xfrm>
+                <a:off x="2564741" y="701727"/>
+                <a:ext cx="591829" cy="369332"/>
+              </a:xfrm>
+              <a:prstGeom prst="rect">
+                <a:avLst/>
+              </a:prstGeom>
+              <a:noFill/>
+            </p:spPr>
+            <p:txBody>
+              <a:bodyPr wrap="none" rtlCol="0">
+                <a:spAutoFit/>
+              </a:bodyPr>
+              <a:lstStyle/>
+              <a:p>
+                <a:r>
+                  <a:rPr lang="en-US" dirty="0"/>
+                  <a:t>p(H)</a:t>
+                </a:r>
+              </a:p>
+            </p:txBody>
+          </p:sp>
+          <p:sp>
+            <p:nvSpPr>
+              <p:cNvPr id="5" name="TextBox 4">
+                <a:extLst>
+                  <a:ext uri="{FF2B5EF4-FFF2-40B4-BE49-F238E27FC236}">
+                    <a16:creationId xmlns:a16="http://schemas.microsoft.com/office/drawing/2014/main" id="{0423E661-7100-FB4D-BD7B-63115D307BC5}"/>
+                  </a:ext>
+                </a:extLst>
+              </p:cNvPr>
+              <p:cNvSpPr txBox="1"/>
+              <p:nvPr/>
+            </p:nvSpPr>
+            <p:spPr>
+              <a:xfrm>
+                <a:off x="8971506" y="701727"/>
+                <a:ext cx="559769" cy="369332"/>
+              </a:xfrm>
+              <a:prstGeom prst="rect">
+                <a:avLst/>
+              </a:prstGeom>
+              <a:noFill/>
+            </p:spPr>
+            <p:txBody>
+              <a:bodyPr wrap="none" rtlCol="0">
+                <a:spAutoFit/>
+              </a:bodyPr>
+              <a:lstStyle/>
+              <a:p>
+                <a:r>
+                  <a:rPr lang="en-US" dirty="0"/>
+                  <a:t>p(E)</a:t>
+                </a:r>
+              </a:p>
+            </p:txBody>
+          </p:sp>
+          <p:sp>
+            <p:nvSpPr>
+              <p:cNvPr id="10" name="Oval 9">
+                <a:extLst>
+                  <a:ext uri="{FF2B5EF4-FFF2-40B4-BE49-F238E27FC236}">
+                    <a16:creationId xmlns:a16="http://schemas.microsoft.com/office/drawing/2014/main" id="{1D318D28-CD8D-4942-A4C9-62FCF42F1661}"/>
+                  </a:ext>
+                </a:extLst>
+              </p:cNvPr>
+              <p:cNvSpPr/>
+              <p:nvPr/>
+            </p:nvSpPr>
+            <p:spPr>
+              <a:xfrm>
+                <a:off x="4205431" y="886393"/>
+                <a:ext cx="4634717" cy="1992086"/>
+              </a:xfrm>
+              <a:prstGeom prst="ellipse">
+                <a:avLst/>
+              </a:prstGeom>
+              <a:solidFill>
+                <a:schemeClr val="accent6">
+                  <a:lumMod val="60000"/>
+                  <a:lumOff val="40000"/>
+                  <a:alpha val="80000"/>
+                </a:schemeClr>
+              </a:solidFill>
+            </p:spPr>
+            <p:style>
+              <a:lnRef idx="1">
+                <a:schemeClr val="accent6"/>
+              </a:lnRef>
+              <a:fillRef idx="2">
+                <a:schemeClr val="accent6"/>
+              </a:fillRef>
+              <a:effectRef idx="1">
+                <a:schemeClr val="accent6"/>
+              </a:effectRef>
+              <a:fontRef idx="minor">
+                <a:schemeClr val="dk1"/>
+              </a:fontRef>
+            </p:style>
+            <p:txBody>
+              <a:bodyPr rtlCol="0" anchor="ctr"/>
+              <a:lstStyle/>
+              <a:p>
+                <a:pPr algn="ctr"/>
+                <a:endParaRPr lang="en-US"/>
+              </a:p>
+            </p:txBody>
+          </p:sp>
+          <p:cxnSp>
+            <p:nvCxnSpPr>
+              <p:cNvPr id="26" name="Straight Arrow Connector 25">
+                <a:extLst>
+                  <a:ext uri="{FF2B5EF4-FFF2-40B4-BE49-F238E27FC236}">
+                    <a16:creationId xmlns:a16="http://schemas.microsoft.com/office/drawing/2014/main" id="{6BB2AF63-4780-3C47-95A4-3770F6182070}"/>
+                  </a:ext>
+                </a:extLst>
+              </p:cNvPr>
+              <p:cNvCxnSpPr>
+                <a:cxnSpLocks/>
+              </p:cNvCxnSpPr>
+              <p:nvPr/>
+            </p:nvCxnSpPr>
+            <p:spPr>
+              <a:xfrm>
+                <a:off x="2922490" y="1134239"/>
+                <a:ext cx="287560" cy="417076"/>
+              </a:xfrm>
+              <a:prstGeom prst="straightConnector1">
+                <a:avLst/>
+              </a:prstGeom>
+              <a:ln w="19050">
+                <a:tailEnd type="triangle"/>
+              </a:ln>
+            </p:spPr>
+            <p:style>
+              <a:lnRef idx="1">
+                <a:schemeClr val="accent1"/>
+              </a:lnRef>
+              <a:fillRef idx="0">
+                <a:schemeClr val="accent1"/>
+              </a:fillRef>
+              <a:effectRef idx="0">
+                <a:schemeClr val="accent1"/>
+              </a:effectRef>
+              <a:fontRef idx="minor">
+                <a:schemeClr val="tx1"/>
+              </a:fontRef>
+            </p:style>
+          </p:cxnSp>
+          <p:cxnSp>
+            <p:nvCxnSpPr>
+              <p:cNvPr id="29" name="Straight Arrow Connector 28">
+                <a:extLst>
+                  <a:ext uri="{FF2B5EF4-FFF2-40B4-BE49-F238E27FC236}">
+                    <a16:creationId xmlns:a16="http://schemas.microsoft.com/office/drawing/2014/main" id="{3C203A59-62F3-AC4A-97DB-9DFA515CE771}"/>
+                  </a:ext>
+                </a:extLst>
+              </p:cNvPr>
+              <p:cNvCxnSpPr>
+                <a:cxnSpLocks/>
+              </p:cNvCxnSpPr>
+              <p:nvPr/>
+            </p:nvCxnSpPr>
+            <p:spPr>
+              <a:xfrm flipH="1">
+                <a:off x="8842186" y="1134239"/>
+                <a:ext cx="287560" cy="417076"/>
+              </a:xfrm>
+              <a:prstGeom prst="straightConnector1">
+                <a:avLst/>
+              </a:prstGeom>
+              <a:ln w="19050">
+                <a:tailEnd type="triangle"/>
+              </a:ln>
+            </p:spPr>
+            <p:style>
+              <a:lnRef idx="1">
+                <a:schemeClr val="accent1"/>
+              </a:lnRef>
+              <a:fillRef idx="0">
+                <a:schemeClr val="accent1"/>
+              </a:fillRef>
+              <a:effectRef idx="0">
+                <a:schemeClr val="accent1"/>
+              </a:effectRef>
+              <a:fontRef idx="minor">
+                <a:schemeClr val="tx1"/>
+              </a:fontRef>
+            </p:style>
+          </p:cxnSp>
+          <p:sp>
+            <p:nvSpPr>
+              <p:cNvPr id="38" name="Rectangle 37">
+                <a:extLst>
+                  <a:ext uri="{FF2B5EF4-FFF2-40B4-BE49-F238E27FC236}">
+                    <a16:creationId xmlns:a16="http://schemas.microsoft.com/office/drawing/2014/main" id="{D27F6E58-27FA-F847-B9D5-08C6E6F8B747}"/>
+                  </a:ext>
+                </a:extLst>
+              </p:cNvPr>
+              <p:cNvSpPr/>
+              <p:nvPr/>
+            </p:nvSpPr>
+            <p:spPr>
+              <a:xfrm>
+                <a:off x="1766170" y="513567"/>
+                <a:ext cx="9081370" cy="2592888"/>
+              </a:xfrm>
+              <a:prstGeom prst="rect">
+                <a:avLst/>
+              </a:prstGeom>
+              <a:noFill/>
+            </p:spPr>
+            <p:style>
+              <a:lnRef idx="2">
+                <a:schemeClr val="dk1"/>
+              </a:lnRef>
+              <a:fillRef idx="1">
+                <a:schemeClr val="lt1"/>
+              </a:fillRef>
+              <a:effectRef idx="0">
+                <a:schemeClr val="dk1"/>
+              </a:effectRef>
+              <a:fontRef idx="minor">
+                <a:schemeClr val="dk1"/>
+              </a:fontRef>
+            </p:style>
+            <p:txBody>
+              <a:bodyPr rtlCol="0" anchor="ctr"/>
+              <a:lstStyle/>
+              <a:p>
+                <a:pPr algn="ctr"/>
+                <a:endParaRPr lang="en-US"/>
+              </a:p>
+            </p:txBody>
+          </p:sp>
+          <p:sp>
+            <p:nvSpPr>
+              <p:cNvPr id="20" name="Oval 19">
+                <a:extLst>
+                  <a:ext uri="{FF2B5EF4-FFF2-40B4-BE49-F238E27FC236}">
+                    <a16:creationId xmlns:a16="http://schemas.microsoft.com/office/drawing/2014/main" id="{C77C8300-CBC7-7B40-8F58-9FC9668F014C}"/>
+                  </a:ext>
+                </a:extLst>
+              </p:cNvPr>
+              <p:cNvSpPr/>
+              <p:nvPr/>
+            </p:nvSpPr>
+            <p:spPr>
+              <a:xfrm flipH="1">
+                <a:off x="2151227" y="754645"/>
+                <a:ext cx="411476" cy="319835"/>
+              </a:xfrm>
+              <a:prstGeom prst="ellipse">
+                <a:avLst/>
+              </a:prstGeom>
+              <a:solidFill>
+                <a:schemeClr val="accent2">
+                  <a:lumMod val="60000"/>
+                  <a:lumOff val="40000"/>
+                  <a:alpha val="80000"/>
+                </a:schemeClr>
+              </a:solidFill>
+            </p:spPr>
+            <p:style>
+              <a:lnRef idx="1">
+                <a:schemeClr val="accent2"/>
+              </a:lnRef>
+              <a:fillRef idx="2">
+                <a:schemeClr val="accent2"/>
+              </a:fillRef>
+              <a:effectRef idx="1">
+                <a:schemeClr val="accent2"/>
+              </a:effectRef>
+              <a:fontRef idx="minor">
+                <a:schemeClr val="dk1"/>
+              </a:fontRef>
+            </p:style>
+            <p:txBody>
+              <a:bodyPr rtlCol="0" anchor="ctr"/>
+              <a:lstStyle/>
+              <a:p>
+                <a:pPr algn="ctr"/>
+                <a:endParaRPr lang="en-US"/>
+              </a:p>
+            </p:txBody>
+          </p:sp>
+          <p:sp>
+            <p:nvSpPr>
+              <p:cNvPr id="21" name="Oval 20">
+                <a:extLst>
+                  <a:ext uri="{FF2B5EF4-FFF2-40B4-BE49-F238E27FC236}">
+                    <a16:creationId xmlns:a16="http://schemas.microsoft.com/office/drawing/2014/main" id="{3D0F740B-6B0E-CA45-B710-D13687E2A6D6}"/>
+                  </a:ext>
+                </a:extLst>
+              </p:cNvPr>
+              <p:cNvSpPr/>
+              <p:nvPr/>
+            </p:nvSpPr>
+            <p:spPr>
+              <a:xfrm flipH="1">
+                <a:off x="9600650" y="754645"/>
+                <a:ext cx="744117" cy="319835"/>
+              </a:xfrm>
+              <a:prstGeom prst="ellipse">
+                <a:avLst/>
+              </a:prstGeom>
+              <a:solidFill>
+                <a:schemeClr val="accent6">
+                  <a:lumMod val="60000"/>
+                  <a:lumOff val="40000"/>
+                  <a:alpha val="80000"/>
+                </a:schemeClr>
+              </a:solidFill>
+            </p:spPr>
+            <p:style>
+              <a:lnRef idx="1">
+                <a:schemeClr val="accent6"/>
+              </a:lnRef>
+              <a:fillRef idx="2">
+                <a:schemeClr val="accent6"/>
+              </a:fillRef>
+              <a:effectRef idx="1">
+                <a:schemeClr val="accent6"/>
+              </a:effectRef>
+              <a:fontRef idx="minor">
+                <a:schemeClr val="dk1"/>
+              </a:fontRef>
+            </p:style>
+            <p:txBody>
+              <a:bodyPr rtlCol="0" anchor="ctr"/>
+              <a:lstStyle/>
+              <a:p>
+                <a:pPr algn="ctr"/>
+                <a:endParaRPr lang="en-US"/>
+              </a:p>
+            </p:txBody>
+          </p:sp>
+        </p:grpSp>
+        <p:grpSp>
+          <p:nvGrpSpPr>
+            <p:cNvPr id="9" name="Group 8">
+              <a:extLst>
+                <a:ext uri="{FF2B5EF4-FFF2-40B4-BE49-F238E27FC236}">
+                  <a16:creationId xmlns:a16="http://schemas.microsoft.com/office/drawing/2014/main" id="{3E89BCC1-467D-AF46-A900-815321012E6A}"/>
+                </a:ext>
+              </a:extLst>
+            </p:cNvPr>
+            <p:cNvGrpSpPr/>
+            <p:nvPr/>
+          </p:nvGrpSpPr>
+          <p:grpSpPr>
+            <a:xfrm>
+              <a:off x="3586662" y="3599478"/>
+              <a:ext cx="5018676" cy="683502"/>
+              <a:chOff x="2684831" y="3599478"/>
+              <a:chExt cx="5018676" cy="683502"/>
+            </a:xfrm>
+          </p:grpSpPr>
+          <mc:AlternateContent xmlns:mc="http://schemas.openxmlformats.org/markup-compatibility/2006">
+            <mc:Choice xmlns:a14="http://schemas.microsoft.com/office/drawing/2010/main" Requires="a14">
+              <p:sp>
+                <p:nvSpPr>
+                  <p:cNvPr id="11" name="TextBox 10">
+                    <a:extLst>
+                      <a:ext uri="{FF2B5EF4-FFF2-40B4-BE49-F238E27FC236}">
+                        <a16:creationId xmlns:a16="http://schemas.microsoft.com/office/drawing/2014/main" id="{00FBE744-4422-3E44-B15D-B27AB2F4CCC8}"/>
+                      </a:ext>
+                    </a:extLst>
+                  </p:cNvPr>
+                  <p:cNvSpPr txBox="1"/>
+                  <p:nvPr/>
+                </p:nvSpPr>
+                <p:spPr>
+                  <a:xfrm>
+                    <a:off x="3088573" y="3730580"/>
+                    <a:ext cx="4509376" cy="369332"/>
+                  </a:xfrm>
+                  <a:prstGeom prst="rect">
+                    <a:avLst/>
+                  </a:prstGeom>
+                  <a:noFill/>
+                </p:spPr>
+                <p:txBody>
+                  <a:bodyPr wrap="none" rtlCol="0">
+                    <a:spAutoFit/>
+                  </a:bodyPr>
+                  <a:lstStyle/>
+                  <a:p>
+                    <a:pPr/>
+                    <a14:m>
+                      <m:oMathPara xmlns:m="http://schemas.openxmlformats.org/officeDocument/2006/math">
+                        <m:oMathParaPr>
+                          <m:jc m:val="centerGroup"/>
+                        </m:oMathParaPr>
+                        <m:oMath xmlns:m="http://schemas.openxmlformats.org/officeDocument/2006/math">
+                          <m:r>
+                            <a:rPr lang="en-US" b="0" i="1" smtClean="0">
+                              <a:latin typeface="Cambria Math" panose="02040503050406030204" pitchFamily="18" charset="0"/>
+                            </a:rPr>
+                            <m:t>𝑝</m:t>
+                          </m:r>
+                          <m:d>
+                            <m:dPr>
+                              <m:ctrlPr>
+                                <a:rPr lang="en-US" b="0" i="1" smtClean="0">
+                                  <a:latin typeface="Cambria Math" panose="02040503050406030204" pitchFamily="18" charset="0"/>
+                                </a:rPr>
+                              </m:ctrlPr>
+                            </m:dPr>
+                            <m:e>
+                              <m:r>
+                                <a:rPr lang="en-US" b="0" i="1" smtClean="0">
+                                  <a:latin typeface="Cambria Math" panose="02040503050406030204" pitchFamily="18" charset="0"/>
+                                </a:rPr>
+                                <m:t>𝐸</m:t>
+                              </m:r>
+                              <m:r>
+                                <a:rPr lang="en-US" b="0" i="1" smtClean="0">
+                                  <a:latin typeface="Cambria Math" panose="02040503050406030204" pitchFamily="18" charset="0"/>
+                                  <a:ea typeface="Cambria Math" panose="02040503050406030204" pitchFamily="18" charset="0"/>
+                                </a:rPr>
+                                <m:t>∩</m:t>
+                              </m:r>
+                              <m:r>
+                                <a:rPr lang="en-US" b="0" i="1" smtClean="0">
+                                  <a:latin typeface="Cambria Math" panose="02040503050406030204" pitchFamily="18" charset="0"/>
+                                  <a:ea typeface="Cambria Math" panose="02040503050406030204" pitchFamily="18" charset="0"/>
+                                </a:rPr>
+                                <m:t>𝐻</m:t>
+                              </m:r>
+                            </m:e>
+                          </m:d>
+                          <m:r>
+                            <a:rPr lang="en-US" b="0" i="1" smtClean="0">
+                              <a:latin typeface="Cambria Math" panose="02040503050406030204" pitchFamily="18" charset="0"/>
+                            </a:rPr>
+                            <m:t>=</m:t>
+                          </m:r>
+                          <m:r>
+                            <a:rPr lang="en-US" b="0" i="1" smtClean="0">
+                              <a:latin typeface="Cambria Math" panose="02040503050406030204" pitchFamily="18" charset="0"/>
+                            </a:rPr>
+                            <m:t>𝑝</m:t>
+                          </m:r>
+                          <m:d>
+                            <m:dPr>
+                              <m:ctrlPr>
+                                <a:rPr lang="en-US" b="0" i="1" smtClean="0">
+                                  <a:latin typeface="Cambria Math" panose="02040503050406030204" pitchFamily="18" charset="0"/>
+                                </a:rPr>
+                              </m:ctrlPr>
+                            </m:dPr>
+                            <m:e>
+                              <m:r>
+                                <a:rPr lang="en-US" b="0" i="1" smtClean="0">
+                                  <a:latin typeface="Cambria Math" panose="02040503050406030204" pitchFamily="18" charset="0"/>
+                                </a:rPr>
+                                <m:t>𝐸</m:t>
+                              </m:r>
+                            </m:e>
+                            <m:e>
+                              <m:r>
+                                <a:rPr lang="en-US" b="0" i="1" smtClean="0">
+                                  <a:latin typeface="Cambria Math" panose="02040503050406030204" pitchFamily="18" charset="0"/>
+                                </a:rPr>
+                                <m:t>𝐻</m:t>
+                              </m:r>
+                            </m:e>
+                          </m:d>
+                          <m:r>
+                            <a:rPr lang="en-US" b="0" i="1" smtClean="0">
+                              <a:latin typeface="Cambria Math" panose="02040503050406030204" pitchFamily="18" charset="0"/>
+                              <a:ea typeface="Cambria Math" panose="02040503050406030204" pitchFamily="18" charset="0"/>
+                            </a:rPr>
+                            <m:t>∙</m:t>
+                          </m:r>
+                          <m:r>
+                            <a:rPr lang="en-US" b="0" i="1" smtClean="0">
+                              <a:latin typeface="Cambria Math" panose="02040503050406030204" pitchFamily="18" charset="0"/>
+                              <a:ea typeface="Cambria Math" panose="02040503050406030204" pitchFamily="18" charset="0"/>
+                            </a:rPr>
+                            <m:t>𝑝</m:t>
+                          </m:r>
+                          <m:d>
+                            <m:dPr>
+                              <m:ctrlPr>
+                                <a:rPr lang="en-US" b="0" i="1" smtClean="0">
+                                  <a:latin typeface="Cambria Math" panose="02040503050406030204" pitchFamily="18" charset="0"/>
+                                  <a:ea typeface="Cambria Math" panose="02040503050406030204" pitchFamily="18" charset="0"/>
+                                </a:rPr>
+                              </m:ctrlPr>
+                            </m:dPr>
+                            <m:e>
+                              <m:r>
+                                <a:rPr lang="en-US" b="0" i="1" smtClean="0">
+                                  <a:latin typeface="Cambria Math" panose="02040503050406030204" pitchFamily="18" charset="0"/>
+                                  <a:ea typeface="Cambria Math" panose="02040503050406030204" pitchFamily="18" charset="0"/>
+                                </a:rPr>
+                                <m:t>𝐻</m:t>
+                              </m:r>
+                            </m:e>
+                          </m:d>
+                          <m:r>
+                            <a:rPr lang="en-US" b="0" i="0" smtClean="0">
+                              <a:latin typeface="Cambria Math" panose="02040503050406030204" pitchFamily="18" charset="0"/>
+                              <a:ea typeface="Cambria Math" panose="02040503050406030204" pitchFamily="18" charset="0"/>
+                            </a:rPr>
+                            <m:t>=</m:t>
+                          </m:r>
+                          <m:r>
+                            <a:rPr lang="en-US" b="0" i="1" smtClean="0">
+                              <a:latin typeface="Cambria Math" panose="02040503050406030204" pitchFamily="18" charset="0"/>
+                            </a:rPr>
+                            <m:t>𝑝</m:t>
+                          </m:r>
+                          <m:d>
+                            <m:dPr>
+                              <m:ctrlPr>
+                                <a:rPr lang="en-US" b="0" i="1" smtClean="0">
+                                  <a:latin typeface="Cambria Math" panose="02040503050406030204" pitchFamily="18" charset="0"/>
+                                </a:rPr>
+                              </m:ctrlPr>
+                            </m:dPr>
+                            <m:e>
+                              <m:r>
+                                <a:rPr lang="en-US" b="0" i="1" smtClean="0">
+                                  <a:latin typeface="Cambria Math" panose="02040503050406030204" pitchFamily="18" charset="0"/>
+                                </a:rPr>
+                                <m:t>𝐻</m:t>
+                              </m:r>
+                            </m:e>
+                            <m:e>
+                              <m:r>
+                                <a:rPr lang="en-US" b="0" i="1" smtClean="0">
+                                  <a:latin typeface="Cambria Math" panose="02040503050406030204" pitchFamily="18" charset="0"/>
+                                </a:rPr>
+                                <m:t>𝐸</m:t>
+                              </m:r>
+                            </m:e>
+                          </m:d>
+                          <m:r>
+                            <a:rPr lang="en-US" b="0" i="1" smtClean="0">
+                              <a:latin typeface="Cambria Math" panose="02040503050406030204" pitchFamily="18" charset="0"/>
+                              <a:ea typeface="Cambria Math" panose="02040503050406030204" pitchFamily="18" charset="0"/>
+                            </a:rPr>
+                            <m:t>∙</m:t>
+                          </m:r>
+                          <m:r>
+                            <a:rPr lang="en-US" b="0" i="1" smtClean="0">
+                              <a:latin typeface="Cambria Math" panose="02040503050406030204" pitchFamily="18" charset="0"/>
+                              <a:ea typeface="Cambria Math" panose="02040503050406030204" pitchFamily="18" charset="0"/>
+                            </a:rPr>
+                            <m:t>𝑝</m:t>
+                          </m:r>
+                          <m:d>
+                            <m:dPr>
+                              <m:ctrlPr>
+                                <a:rPr lang="en-US" b="0" i="1" smtClean="0">
+                                  <a:latin typeface="Cambria Math" panose="02040503050406030204" pitchFamily="18" charset="0"/>
+                                  <a:ea typeface="Cambria Math" panose="02040503050406030204" pitchFamily="18" charset="0"/>
+                                </a:rPr>
+                              </m:ctrlPr>
+                            </m:dPr>
+                            <m:e>
+                              <m:r>
+                                <a:rPr lang="en-US" b="0" i="1" smtClean="0">
+                                  <a:latin typeface="Cambria Math" panose="02040503050406030204" pitchFamily="18" charset="0"/>
+                                  <a:ea typeface="Cambria Math" panose="02040503050406030204" pitchFamily="18" charset="0"/>
+                                </a:rPr>
+                                <m:t>𝐸</m:t>
+                              </m:r>
+                            </m:e>
+                          </m:d>
+                        </m:oMath>
+                      </m:oMathPara>
+                    </a14:m>
+                    <a:endParaRPr lang="en-US" dirty="0"/>
+                  </a:p>
+                </p:txBody>
+              </p:sp>
+            </mc:Choice>
+            <mc:Fallback>
+              <p:sp>
+                <p:nvSpPr>
+                  <p:cNvPr id="11" name="TextBox 10">
+                    <a:extLst>
+                      <a:ext uri="{FF2B5EF4-FFF2-40B4-BE49-F238E27FC236}">
+                        <a16:creationId xmlns:a16="http://schemas.microsoft.com/office/drawing/2014/main" id="{00FBE744-4422-3E44-B15D-B27AB2F4CCC8}"/>
+                      </a:ext>
+                    </a:extLst>
+                  </p:cNvPr>
+                  <p:cNvSpPr txBox="1">
+                    <a:spLocks noRot="1" noChangeAspect="1" noMove="1" noResize="1" noEditPoints="1" noAdjustHandles="1" noChangeArrowheads="1" noChangeShapeType="1" noTextEdit="1"/>
+                  </p:cNvSpPr>
+                  <p:nvPr/>
+                </p:nvSpPr>
+                <p:spPr>
+                  <a:xfrm>
+                    <a:off x="3088573" y="3730580"/>
+                    <a:ext cx="4509376" cy="369332"/>
+                  </a:xfrm>
+                  <a:prstGeom prst="rect">
+                    <a:avLst/>
+                  </a:prstGeom>
+                  <a:blipFill>
+                    <a:blip r:embed="rId5"/>
+                    <a:stretch>
+                      <a:fillRect b="-3333"/>
+                    </a:stretch>
+                  </a:blipFill>
+                </p:spPr>
+                <p:txBody>
+                  <a:bodyPr/>
+                  <a:lstStyle/>
+                  <a:p>
+                    <a:r>
+                      <a:rPr lang="en-US">
+                        <a:noFill/>
+                      </a:rPr>
+                      <a:t> </a:t>
+                    </a:r>
+                  </a:p>
+                </p:txBody>
+              </p:sp>
+            </mc:Fallback>
+          </mc:AlternateContent>
+          <p:sp>
+            <p:nvSpPr>
+              <p:cNvPr id="22" name="Freeform 21">
+                <a:extLst>
+                  <a:ext uri="{FF2B5EF4-FFF2-40B4-BE49-F238E27FC236}">
+                    <a16:creationId xmlns:a16="http://schemas.microsoft.com/office/drawing/2014/main" id="{E8050A14-9629-A347-ABBB-0A46D0072CFD}"/>
+                  </a:ext>
+                </a:extLst>
+              </p:cNvPr>
+              <p:cNvSpPr/>
+              <p:nvPr/>
+            </p:nvSpPr>
+            <p:spPr>
+              <a:xfrm>
+                <a:off x="2792441" y="3778412"/>
+                <a:ext cx="330187" cy="332626"/>
+              </a:xfrm>
+              <a:custGeom>
+                <a:avLst/>
+                <a:gdLst>
+                  <a:gd name="connsiteX0" fmla="*/ 1073008 w 1666351"/>
+                  <a:gd name="connsiteY0" fmla="*/ 0 h 1678662"/>
+                  <a:gd name="connsiteX1" fmla="*/ 1101379 w 1666351"/>
+                  <a:gd name="connsiteY1" fmla="*/ 13397 h 1678662"/>
+                  <a:gd name="connsiteX2" fmla="*/ 1666351 w 1666351"/>
+                  <a:gd name="connsiteY2" fmla="*/ 839331 h 1678662"/>
+                  <a:gd name="connsiteX3" fmla="*/ 1101379 w 1666351"/>
+                  <a:gd name="connsiteY3" fmla="*/ 1665265 h 1678662"/>
+                  <a:gd name="connsiteX4" fmla="*/ 1073008 w 1666351"/>
+                  <a:gd name="connsiteY4" fmla="*/ 1678662 h 1678662"/>
+                  <a:gd name="connsiteX5" fmla="*/ 1021702 w 1666351"/>
+                  <a:gd name="connsiteY5" fmla="*/ 1665265 h 1678662"/>
+                  <a:gd name="connsiteX6" fmla="*/ 0 w 1666351"/>
+                  <a:gd name="connsiteY6" fmla="*/ 839331 h 1678662"/>
+                  <a:gd name="connsiteX7" fmla="*/ 1021702 w 1666351"/>
+                  <a:gd name="connsiteY7" fmla="*/ 13397 h 1678662"/>
+                  <a:gd name="connsiteX8" fmla="*/ 1073008 w 1666351"/>
+                  <a:gd name="connsiteY8" fmla="*/ 0 h 1678662"/>
+                </a:gdLst>
+                <a:ahLst/>
+                <a:cxnLst>
+                  <a:cxn ang="0">
+                    <a:pos x="connsiteX0" y="connsiteY0"/>
+                  </a:cxn>
+                  <a:cxn ang="0">
+                    <a:pos x="connsiteX1" y="connsiteY1"/>
+                  </a:cxn>
+                  <a:cxn ang="0">
+                    <a:pos x="connsiteX2" y="connsiteY2"/>
+                  </a:cxn>
+                  <a:cxn ang="0">
+                    <a:pos x="connsiteX3" y="connsiteY3"/>
+                  </a:cxn>
+                  <a:cxn ang="0">
+                    <a:pos x="connsiteX4" y="connsiteY4"/>
+                  </a:cxn>
+                  <a:cxn ang="0">
+                    <a:pos x="connsiteX5" y="connsiteY5"/>
+                  </a:cxn>
+                  <a:cxn ang="0">
+                    <a:pos x="connsiteX6" y="connsiteY6"/>
+                  </a:cxn>
+                  <a:cxn ang="0">
+                    <a:pos x="connsiteX7" y="connsiteY7"/>
+                  </a:cxn>
+                  <a:cxn ang="0">
+                    <a:pos x="connsiteX8" y="connsiteY8"/>
+                  </a:cxn>
+                </a:cxnLst>
+                <a:rect l="l" t="t" r="r" b="b"/>
+                <a:pathLst>
+                  <a:path w="1666351" h="1678662">
+                    <a:moveTo>
+                      <a:pt x="1073008" y="0"/>
+                    </a:moveTo>
+                    <a:lnTo>
+                      <a:pt x="1101379" y="13397"/>
+                    </a:lnTo>
+                    <a:cubicBezTo>
+                      <a:pt x="1442243" y="192393"/>
+                      <a:pt x="1666351" y="495519"/>
+                      <a:pt x="1666351" y="839331"/>
+                    </a:cubicBezTo>
+                    <a:cubicBezTo>
+                      <a:pt x="1666351" y="1183143"/>
+                      <a:pt x="1442243" y="1486269"/>
+                      <a:pt x="1101379" y="1665265"/>
+                    </a:cubicBezTo>
+                    <a:lnTo>
+                      <a:pt x="1073008" y="1678662"/>
+                    </a:lnTo>
+                    <a:lnTo>
+                      <a:pt x="1021702" y="1665265"/>
+                    </a:lnTo>
+                    <a:cubicBezTo>
+                      <a:pt x="405280" y="1486269"/>
+                      <a:pt x="0" y="1183143"/>
+                      <a:pt x="0" y="839331"/>
+                    </a:cubicBezTo>
+                    <a:cubicBezTo>
+                      <a:pt x="0" y="495519"/>
+                      <a:pt x="405280" y="192393"/>
+                      <a:pt x="1021702" y="13397"/>
+                    </a:cubicBezTo>
+                    <a:lnTo>
+                      <a:pt x="1073008" y="0"/>
+                    </a:lnTo>
+                    <a:close/>
+                  </a:path>
+                </a:pathLst>
+              </a:custGeom>
+              <a:solidFill>
+                <a:schemeClr val="accent5">
+                  <a:lumMod val="60000"/>
+                  <a:lumOff val="40000"/>
+                </a:schemeClr>
+              </a:solidFill>
+            </p:spPr>
+            <p:style>
+              <a:lnRef idx="1">
+                <a:schemeClr val="accent2"/>
+              </a:lnRef>
+              <a:fillRef idx="2">
+                <a:schemeClr val="accent2"/>
+              </a:fillRef>
+              <a:effectRef idx="1">
+                <a:schemeClr val="accent2"/>
+              </a:effectRef>
+              <a:fontRef idx="minor">
+                <a:schemeClr val="dk1"/>
+              </a:fontRef>
+            </p:style>
+            <p:txBody>
+              <a:bodyPr wrap="square" rtlCol="0" anchor="ctr">
+                <a:noAutofit/>
+              </a:bodyPr>
+              <a:lstStyle/>
+              <a:p>
+                <a:pPr algn="ctr"/>
+                <a:endParaRPr lang="en-US"/>
+              </a:p>
+            </p:txBody>
+          </p:sp>
+          <p:sp>
+            <p:nvSpPr>
+              <p:cNvPr id="6" name="Rectangle 5">
+                <a:extLst>
+                  <a:ext uri="{FF2B5EF4-FFF2-40B4-BE49-F238E27FC236}">
+                    <a16:creationId xmlns:a16="http://schemas.microsoft.com/office/drawing/2014/main" id="{6F92D7FE-8663-C744-B8E2-344BE06A22FA}"/>
+                  </a:ext>
+                </a:extLst>
+              </p:cNvPr>
+              <p:cNvSpPr/>
+              <p:nvPr/>
+            </p:nvSpPr>
+            <p:spPr>
+              <a:xfrm>
+                <a:off x="2684831" y="3599478"/>
+                <a:ext cx="5018676" cy="683502"/>
+              </a:xfrm>
+              <a:prstGeom prst="rect">
+                <a:avLst/>
+              </a:prstGeom>
+              <a:noFill/>
+            </p:spPr>
+            <p:style>
+              <a:lnRef idx="2">
+                <a:schemeClr val="dk1"/>
+              </a:lnRef>
+              <a:fillRef idx="1">
+                <a:schemeClr val="lt1"/>
+              </a:fillRef>
+              <a:effectRef idx="0">
+                <a:schemeClr val="dk1"/>
+              </a:effectRef>
+              <a:fontRef idx="minor">
+                <a:schemeClr val="dk1"/>
+              </a:fontRef>
+            </p:style>
+            <p:txBody>
+              <a:bodyPr rtlCol="0" anchor="ctr"/>
+              <a:lstStyle/>
+              <a:p>
+                <a:pPr algn="ctr"/>
+                <a:endParaRPr lang="en-US"/>
+              </a:p>
+            </p:txBody>
+          </p:sp>
+        </p:grpSp>
+        <p:grpSp>
+          <p:nvGrpSpPr>
+            <p:cNvPr id="7" name="Group 6">
+              <a:extLst>
+                <a:ext uri="{FF2B5EF4-FFF2-40B4-BE49-F238E27FC236}">
+                  <a16:creationId xmlns:a16="http://schemas.microsoft.com/office/drawing/2014/main" id="{FDEF4F64-0BF1-374E-BE8B-8ED5444BD663}"/>
+                </a:ext>
+              </a:extLst>
+            </p:cNvPr>
+            <p:cNvGrpSpPr/>
+            <p:nvPr/>
+          </p:nvGrpSpPr>
+          <p:grpSpPr>
+            <a:xfrm>
+              <a:off x="10090232" y="4134358"/>
+              <a:ext cx="712997" cy="306459"/>
+              <a:chOff x="6038532" y="4663356"/>
+              <a:chExt cx="4634717" cy="1992086"/>
+            </a:xfrm>
+          </p:grpSpPr>
+          <p:sp>
+            <p:nvSpPr>
+              <p:cNvPr id="27" name="Freeform 26">
+                <a:extLst>
+                  <a:ext uri="{FF2B5EF4-FFF2-40B4-BE49-F238E27FC236}">
+                    <a16:creationId xmlns:a16="http://schemas.microsoft.com/office/drawing/2014/main" id="{64E0A6E9-DAAC-2B45-8F88-9A100DFF0EDD}"/>
+                  </a:ext>
+                </a:extLst>
+              </p:cNvPr>
+              <p:cNvSpPr/>
+              <p:nvPr/>
+            </p:nvSpPr>
+            <p:spPr>
+              <a:xfrm>
+                <a:off x="6038532" y="4820068"/>
+                <a:ext cx="1666351" cy="1678662"/>
+              </a:xfrm>
+              <a:custGeom>
+                <a:avLst/>
+                <a:gdLst>
+                  <a:gd name="connsiteX0" fmla="*/ 1073008 w 1666351"/>
+                  <a:gd name="connsiteY0" fmla="*/ 0 h 1678662"/>
+                  <a:gd name="connsiteX1" fmla="*/ 1101379 w 1666351"/>
+                  <a:gd name="connsiteY1" fmla="*/ 13397 h 1678662"/>
+                  <a:gd name="connsiteX2" fmla="*/ 1666351 w 1666351"/>
+                  <a:gd name="connsiteY2" fmla="*/ 839331 h 1678662"/>
+                  <a:gd name="connsiteX3" fmla="*/ 1101379 w 1666351"/>
+                  <a:gd name="connsiteY3" fmla="*/ 1665265 h 1678662"/>
+                  <a:gd name="connsiteX4" fmla="*/ 1073008 w 1666351"/>
+                  <a:gd name="connsiteY4" fmla="*/ 1678662 h 1678662"/>
+                  <a:gd name="connsiteX5" fmla="*/ 1021702 w 1666351"/>
+                  <a:gd name="connsiteY5" fmla="*/ 1665265 h 1678662"/>
+                  <a:gd name="connsiteX6" fmla="*/ 0 w 1666351"/>
+                  <a:gd name="connsiteY6" fmla="*/ 839331 h 1678662"/>
+                  <a:gd name="connsiteX7" fmla="*/ 1021702 w 1666351"/>
+                  <a:gd name="connsiteY7" fmla="*/ 13397 h 1678662"/>
+                  <a:gd name="connsiteX8" fmla="*/ 1073008 w 1666351"/>
+                  <a:gd name="connsiteY8" fmla="*/ 0 h 1678662"/>
+                </a:gdLst>
+                <a:ahLst/>
+                <a:cxnLst>
+                  <a:cxn ang="0">
+                    <a:pos x="connsiteX0" y="connsiteY0"/>
+                  </a:cxn>
+                  <a:cxn ang="0">
+                    <a:pos x="connsiteX1" y="connsiteY1"/>
+                  </a:cxn>
+                  <a:cxn ang="0">
+                    <a:pos x="connsiteX2" y="connsiteY2"/>
+                  </a:cxn>
+                  <a:cxn ang="0">
+                    <a:pos x="connsiteX3" y="connsiteY3"/>
+                  </a:cxn>
+                  <a:cxn ang="0">
+                    <a:pos x="connsiteX4" y="connsiteY4"/>
+                  </a:cxn>
+                  <a:cxn ang="0">
+                    <a:pos x="connsiteX5" y="connsiteY5"/>
+                  </a:cxn>
+                  <a:cxn ang="0">
+                    <a:pos x="connsiteX6" y="connsiteY6"/>
+                  </a:cxn>
+                  <a:cxn ang="0">
+                    <a:pos x="connsiteX7" y="connsiteY7"/>
+                  </a:cxn>
+                  <a:cxn ang="0">
+                    <a:pos x="connsiteX8" y="connsiteY8"/>
+                  </a:cxn>
+                </a:cxnLst>
+                <a:rect l="l" t="t" r="r" b="b"/>
+                <a:pathLst>
+                  <a:path w="1666351" h="1678662">
+                    <a:moveTo>
+                      <a:pt x="1073008" y="0"/>
+                    </a:moveTo>
+                    <a:lnTo>
+                      <a:pt x="1101379" y="13397"/>
+                    </a:lnTo>
+                    <a:cubicBezTo>
+                      <a:pt x="1442243" y="192393"/>
+                      <a:pt x="1666351" y="495519"/>
+                      <a:pt x="1666351" y="839331"/>
+                    </a:cubicBezTo>
+                    <a:cubicBezTo>
+                      <a:pt x="1666351" y="1183143"/>
+                      <a:pt x="1442243" y="1486269"/>
+                      <a:pt x="1101379" y="1665265"/>
+                    </a:cubicBezTo>
+                    <a:lnTo>
+                      <a:pt x="1073008" y="1678662"/>
+                    </a:lnTo>
+                    <a:lnTo>
+                      <a:pt x="1021702" y="1665265"/>
+                    </a:lnTo>
+                    <a:cubicBezTo>
+                      <a:pt x="405280" y="1486269"/>
+                      <a:pt x="0" y="1183143"/>
+                      <a:pt x="0" y="839331"/>
+                    </a:cubicBezTo>
+                    <a:cubicBezTo>
+                      <a:pt x="0" y="495519"/>
+                      <a:pt x="405280" y="192393"/>
+                      <a:pt x="1021702" y="13397"/>
+                    </a:cubicBezTo>
+                    <a:lnTo>
+                      <a:pt x="1073008" y="0"/>
+                    </a:lnTo>
+                    <a:close/>
+                  </a:path>
+                </a:pathLst>
+              </a:custGeom>
+              <a:solidFill>
+                <a:schemeClr val="accent5">
+                  <a:lumMod val="60000"/>
+                  <a:lumOff val="40000"/>
+                </a:schemeClr>
+              </a:solidFill>
+            </p:spPr>
+            <p:style>
+              <a:lnRef idx="1">
+                <a:schemeClr val="accent2"/>
+              </a:lnRef>
+              <a:fillRef idx="2">
+                <a:schemeClr val="accent2"/>
+              </a:fillRef>
+              <a:effectRef idx="1">
+                <a:schemeClr val="accent2"/>
+              </a:effectRef>
+              <a:fontRef idx="minor">
+                <a:schemeClr val="dk1"/>
+              </a:fontRef>
+            </p:style>
+            <p:txBody>
+              <a:bodyPr wrap="square" rtlCol="0" anchor="ctr">
+                <a:noAutofit/>
+              </a:bodyPr>
+              <a:lstStyle/>
+              <a:p>
+                <a:pPr algn="ctr"/>
+                <a:endParaRPr lang="en-US"/>
+              </a:p>
+            </p:txBody>
+          </p:sp>
+          <p:sp>
+            <p:nvSpPr>
+              <p:cNvPr id="28" name="Freeform 27">
+                <a:extLst>
+                  <a:ext uri="{FF2B5EF4-FFF2-40B4-BE49-F238E27FC236}">
+                    <a16:creationId xmlns:a16="http://schemas.microsoft.com/office/drawing/2014/main" id="{0A766512-0EE8-1844-99F0-EF0207E723C7}"/>
+                  </a:ext>
+                </a:extLst>
+              </p:cNvPr>
+              <p:cNvSpPr/>
+              <p:nvPr/>
+            </p:nvSpPr>
+            <p:spPr>
+              <a:xfrm>
+                <a:off x="7111539" y="4663356"/>
+                <a:ext cx="3561710" cy="1992086"/>
+              </a:xfrm>
+              <a:custGeom>
+                <a:avLst/>
+                <a:gdLst>
+                  <a:gd name="connsiteX0" fmla="*/ 1244351 w 3561710"/>
+                  <a:gd name="connsiteY0" fmla="*/ 0 h 1992086"/>
+                  <a:gd name="connsiteX1" fmla="*/ 3561710 w 3561710"/>
+                  <a:gd name="connsiteY1" fmla="*/ 996043 h 1992086"/>
+                  <a:gd name="connsiteX2" fmla="*/ 1244351 w 3561710"/>
+                  <a:gd name="connsiteY2" fmla="*/ 1992086 h 1992086"/>
+                  <a:gd name="connsiteX3" fmla="*/ 139760 w 3561710"/>
+                  <a:gd name="connsiteY3" fmla="*/ 1871869 h 1992086"/>
+                  <a:gd name="connsiteX4" fmla="*/ 0 w 3561710"/>
+                  <a:gd name="connsiteY4" fmla="*/ 1835374 h 1992086"/>
+                  <a:gd name="connsiteX5" fmla="*/ 28371 w 3561710"/>
+                  <a:gd name="connsiteY5" fmla="*/ 1821977 h 1992086"/>
+                  <a:gd name="connsiteX6" fmla="*/ 593343 w 3561710"/>
+                  <a:gd name="connsiteY6" fmla="*/ 996043 h 1992086"/>
+                  <a:gd name="connsiteX7" fmla="*/ 28371 w 3561710"/>
+                  <a:gd name="connsiteY7" fmla="*/ 170109 h 1992086"/>
+                  <a:gd name="connsiteX8" fmla="*/ 0 w 3561710"/>
+                  <a:gd name="connsiteY8" fmla="*/ 156712 h 1992086"/>
+                  <a:gd name="connsiteX9" fmla="*/ 139760 w 3561710"/>
+                  <a:gd name="connsiteY9" fmla="*/ 120217 h 1992086"/>
+                  <a:gd name="connsiteX10" fmla="*/ 1244351 w 3561710"/>
+                  <a:gd name="connsiteY10" fmla="*/ 0 h 1992086"/>
+                </a:gdLst>
+                <a:ahLst/>
+                <a:cxnLst>
+                  <a:cxn ang="0">
+                    <a:pos x="connsiteX0" y="connsiteY0"/>
+                  </a:cxn>
+                  <a:cxn ang="0">
+                    <a:pos x="connsiteX1" y="connsiteY1"/>
+                  </a:cxn>
+                  <a:cxn ang="0">
+                    <a:pos x="connsiteX2" y="connsiteY2"/>
+                  </a:cxn>
+                  <a:cxn ang="0">
+                    <a:pos x="connsiteX3" y="connsiteY3"/>
+                  </a:cxn>
+                  <a:cxn ang="0">
+                    <a:pos x="connsiteX4" y="connsiteY4"/>
+                  </a:cxn>
+                  <a:cxn ang="0">
+                    <a:pos x="connsiteX5" y="connsiteY5"/>
+                  </a:cxn>
+                  <a:cxn ang="0">
+                    <a:pos x="connsiteX6" y="connsiteY6"/>
+                  </a:cxn>
+                  <a:cxn ang="0">
+                    <a:pos x="connsiteX7" y="connsiteY7"/>
+                  </a:cxn>
+                  <a:cxn ang="0">
+                    <a:pos x="connsiteX8" y="connsiteY8"/>
+                  </a:cxn>
+                  <a:cxn ang="0">
+                    <a:pos x="connsiteX9" y="connsiteY9"/>
+                  </a:cxn>
+                  <a:cxn ang="0">
+                    <a:pos x="connsiteX10" y="connsiteY10"/>
+                  </a:cxn>
+                </a:cxnLst>
+                <a:rect l="l" t="t" r="r" b="b"/>
+                <a:pathLst>
+                  <a:path w="3561710" h="1992086">
+                    <a:moveTo>
+                      <a:pt x="1244351" y="0"/>
+                    </a:moveTo>
+                    <a:cubicBezTo>
+                      <a:pt x="2524193" y="0"/>
+                      <a:pt x="3561710" y="445944"/>
+                      <a:pt x="3561710" y="996043"/>
+                    </a:cubicBezTo>
+                    <a:cubicBezTo>
+                      <a:pt x="3561710" y="1546142"/>
+                      <a:pt x="2524193" y="1992086"/>
+                      <a:pt x="1244351" y="1992086"/>
+                    </a:cubicBezTo>
+                    <a:cubicBezTo>
+                      <a:pt x="844401" y="1992086"/>
+                      <a:pt x="468115" y="1948537"/>
+                      <a:pt x="139760" y="1871869"/>
+                    </a:cubicBezTo>
+                    <a:lnTo>
+                      <a:pt x="0" y="1835374"/>
+                    </a:lnTo>
+                    <a:lnTo>
+                      <a:pt x="28371" y="1821977"/>
+                    </a:lnTo>
+                    <a:cubicBezTo>
+                      <a:pt x="369235" y="1642981"/>
+                      <a:pt x="593343" y="1339855"/>
+                      <a:pt x="593343" y="996043"/>
+                    </a:cubicBezTo>
+                    <a:cubicBezTo>
+                      <a:pt x="593343" y="652231"/>
+                      <a:pt x="369235" y="349105"/>
+                      <a:pt x="28371" y="170109"/>
+                    </a:cubicBezTo>
+                    <a:lnTo>
+                      <a:pt x="0" y="156712"/>
+                    </a:lnTo>
+                    <a:lnTo>
+                      <a:pt x="139760" y="120217"/>
+                    </a:lnTo>
+                    <a:cubicBezTo>
+                      <a:pt x="468115" y="43549"/>
+                      <a:pt x="844401" y="0"/>
+                      <a:pt x="1244351" y="0"/>
+                    </a:cubicBezTo>
+                    <a:close/>
+                  </a:path>
+                </a:pathLst>
+              </a:custGeom>
+              <a:solidFill>
+                <a:schemeClr val="accent6">
+                  <a:lumMod val="60000"/>
+                  <a:lumOff val="40000"/>
+                </a:schemeClr>
+              </a:solidFill>
+            </p:spPr>
+            <p:style>
+              <a:lnRef idx="1">
+                <a:schemeClr val="accent2"/>
+              </a:lnRef>
+              <a:fillRef idx="2">
+                <a:schemeClr val="accent2"/>
+              </a:fillRef>
+              <a:effectRef idx="1">
+                <a:schemeClr val="accent2"/>
+              </a:effectRef>
+              <a:fontRef idx="minor">
+                <a:schemeClr val="dk1"/>
+              </a:fontRef>
+            </p:style>
+            <p:txBody>
+              <a:bodyPr wrap="square" rtlCol="0" anchor="ctr">
+                <a:noAutofit/>
+              </a:bodyPr>
+              <a:lstStyle/>
+              <a:p>
+                <a:pPr algn="ctr"/>
+                <a:endParaRPr lang="en-US"/>
+              </a:p>
+            </p:txBody>
+          </p:sp>
+        </p:grpSp>
+        <p:grpSp>
+          <p:nvGrpSpPr>
+            <p:cNvPr id="12" name="Group 11">
+              <a:extLst>
+                <a:ext uri="{FF2B5EF4-FFF2-40B4-BE49-F238E27FC236}">
+                  <a16:creationId xmlns:a16="http://schemas.microsoft.com/office/drawing/2014/main" id="{A9BF0D82-7462-E94F-92F6-CC3DF8C63B3A}"/>
+                </a:ext>
+              </a:extLst>
+            </p:cNvPr>
+            <p:cNvGrpSpPr/>
+            <p:nvPr/>
+          </p:nvGrpSpPr>
+          <p:grpSpPr>
+            <a:xfrm>
+              <a:off x="1494903" y="4187792"/>
+              <a:ext cx="416743" cy="323164"/>
+              <a:chOff x="334819" y="4485425"/>
+              <a:chExt cx="2568935" cy="1992086"/>
+            </a:xfrm>
+          </p:grpSpPr>
+          <p:sp>
+            <p:nvSpPr>
+              <p:cNvPr id="30" name="Freeform 29">
+                <a:extLst>
+                  <a:ext uri="{FF2B5EF4-FFF2-40B4-BE49-F238E27FC236}">
+                    <a16:creationId xmlns:a16="http://schemas.microsoft.com/office/drawing/2014/main" id="{C3DBBE20-72A0-BA40-AD08-2BB7EC74226F}"/>
+                  </a:ext>
+                </a:extLst>
+              </p:cNvPr>
+              <p:cNvSpPr/>
+              <p:nvPr/>
+            </p:nvSpPr>
+            <p:spPr>
+              <a:xfrm>
+                <a:off x="334819" y="4485425"/>
+                <a:ext cx="1969525" cy="1992086"/>
+              </a:xfrm>
+              <a:custGeom>
+                <a:avLst/>
+                <a:gdLst>
+                  <a:gd name="connsiteX0" fmla="*/ 1281434 w 1969525"/>
+                  <a:gd name="connsiteY0" fmla="*/ 0 h 1992086"/>
+                  <a:gd name="connsiteX1" fmla="*/ 1892241 w 1969525"/>
+                  <a:gd name="connsiteY1" fmla="*/ 120217 h 1992086"/>
+                  <a:gd name="connsiteX2" fmla="*/ 1969525 w 1969525"/>
+                  <a:gd name="connsiteY2" fmla="*/ 156712 h 1992086"/>
+                  <a:gd name="connsiteX3" fmla="*/ 1918219 w 1969525"/>
+                  <a:gd name="connsiteY3" fmla="*/ 170109 h 1992086"/>
+                  <a:gd name="connsiteX4" fmla="*/ 896517 w 1969525"/>
+                  <a:gd name="connsiteY4" fmla="*/ 996043 h 1992086"/>
+                  <a:gd name="connsiteX5" fmla="*/ 1918219 w 1969525"/>
+                  <a:gd name="connsiteY5" fmla="*/ 1821977 h 1992086"/>
+                  <a:gd name="connsiteX6" fmla="*/ 1969525 w 1969525"/>
+                  <a:gd name="connsiteY6" fmla="*/ 1835374 h 1992086"/>
+                  <a:gd name="connsiteX7" fmla="*/ 1892241 w 1969525"/>
+                  <a:gd name="connsiteY7" fmla="*/ 1871869 h 1992086"/>
+                  <a:gd name="connsiteX8" fmla="*/ 1281434 w 1969525"/>
+                  <a:gd name="connsiteY8" fmla="*/ 1992086 h 1992086"/>
+                  <a:gd name="connsiteX9" fmla="*/ 0 w 1969525"/>
+                  <a:gd name="connsiteY9" fmla="*/ 996043 h 1992086"/>
+                  <a:gd name="connsiteX10" fmla="*/ 1281434 w 1969525"/>
+                  <a:gd name="connsiteY10" fmla="*/ 0 h 1992086"/>
+                </a:gdLst>
+                <a:ahLst/>
+                <a:cxnLst>
+                  <a:cxn ang="0">
+                    <a:pos x="connsiteX0" y="connsiteY0"/>
+                  </a:cxn>
+                  <a:cxn ang="0">
+                    <a:pos x="connsiteX1" y="connsiteY1"/>
+                  </a:cxn>
+                  <a:cxn ang="0">
+                    <a:pos x="connsiteX2" y="connsiteY2"/>
+                  </a:cxn>
+                  <a:cxn ang="0">
+                    <a:pos x="connsiteX3" y="connsiteY3"/>
+                  </a:cxn>
+                  <a:cxn ang="0">
+                    <a:pos x="connsiteX4" y="connsiteY4"/>
+                  </a:cxn>
+                  <a:cxn ang="0">
+                    <a:pos x="connsiteX5" y="connsiteY5"/>
+                  </a:cxn>
+                  <a:cxn ang="0">
+                    <a:pos x="connsiteX6" y="connsiteY6"/>
+                  </a:cxn>
+                  <a:cxn ang="0">
+                    <a:pos x="connsiteX7" y="connsiteY7"/>
+                  </a:cxn>
+                  <a:cxn ang="0">
+                    <a:pos x="connsiteX8" y="connsiteY8"/>
+                  </a:cxn>
+                  <a:cxn ang="0">
+                    <a:pos x="connsiteX9" y="connsiteY9"/>
+                  </a:cxn>
+                  <a:cxn ang="0">
+                    <a:pos x="connsiteX10" y="connsiteY10"/>
+                  </a:cxn>
+                </a:cxnLst>
+                <a:rect l="l" t="t" r="r" b="b"/>
+                <a:pathLst>
+                  <a:path w="1969525" h="1992086">
+                    <a:moveTo>
+                      <a:pt x="1281434" y="0"/>
+                    </a:moveTo>
+                    <a:cubicBezTo>
+                      <a:pt x="1502595" y="0"/>
+                      <a:pt x="1710671" y="43549"/>
+                      <a:pt x="1892241" y="120217"/>
+                    </a:cubicBezTo>
+                    <a:lnTo>
+                      <a:pt x="1969525" y="156712"/>
+                    </a:lnTo>
+                    <a:lnTo>
+                      <a:pt x="1918219" y="170109"/>
+                    </a:lnTo>
+                    <a:cubicBezTo>
+                      <a:pt x="1301797" y="349105"/>
+                      <a:pt x="896517" y="652231"/>
+                      <a:pt x="896517" y="996043"/>
+                    </a:cubicBezTo>
+                    <a:cubicBezTo>
+                      <a:pt x="896517" y="1339855"/>
+                      <a:pt x="1301797" y="1642981"/>
+                      <a:pt x="1918219" y="1821977"/>
+                    </a:cubicBezTo>
+                    <a:lnTo>
+                      <a:pt x="1969525" y="1835374"/>
+                    </a:lnTo>
+                    <a:lnTo>
+                      <a:pt x="1892241" y="1871869"/>
+                    </a:lnTo>
+                    <a:cubicBezTo>
+                      <a:pt x="1710671" y="1948537"/>
+                      <a:pt x="1502595" y="1992086"/>
+                      <a:pt x="1281434" y="1992086"/>
+                    </a:cubicBezTo>
+                    <a:cubicBezTo>
+                      <a:pt x="573718" y="1992086"/>
+                      <a:pt x="0" y="1546142"/>
+                      <a:pt x="0" y="996043"/>
+                    </a:cubicBezTo>
+                    <a:cubicBezTo>
+                      <a:pt x="0" y="445944"/>
+                      <a:pt x="573718" y="0"/>
+                      <a:pt x="1281434" y="0"/>
+                    </a:cubicBezTo>
+                    <a:close/>
+                  </a:path>
+                </a:pathLst>
+              </a:custGeom>
+              <a:solidFill>
+                <a:schemeClr val="accent2">
+                  <a:lumMod val="60000"/>
+                  <a:lumOff val="40000"/>
+                </a:schemeClr>
+              </a:solidFill>
+            </p:spPr>
+            <p:style>
+              <a:lnRef idx="1">
+                <a:schemeClr val="accent2"/>
+              </a:lnRef>
+              <a:fillRef idx="2">
+                <a:schemeClr val="accent2"/>
+              </a:fillRef>
+              <a:effectRef idx="1">
+                <a:schemeClr val="accent2"/>
+              </a:effectRef>
+              <a:fontRef idx="minor">
+                <a:schemeClr val="dk1"/>
+              </a:fontRef>
+            </p:style>
+            <p:txBody>
+              <a:bodyPr wrap="square" rtlCol="0" anchor="ctr">
+                <a:noAutofit/>
+              </a:bodyPr>
+              <a:lstStyle/>
+              <a:p>
+                <a:pPr algn="ctr"/>
+                <a:endParaRPr lang="en-US"/>
+              </a:p>
+            </p:txBody>
+          </p:sp>
+          <p:sp>
+            <p:nvSpPr>
+              <p:cNvPr id="31" name="Freeform 30">
+                <a:extLst>
+                  <a:ext uri="{FF2B5EF4-FFF2-40B4-BE49-F238E27FC236}">
+                    <a16:creationId xmlns:a16="http://schemas.microsoft.com/office/drawing/2014/main" id="{E9C2FAAC-A01A-B341-B9CD-764B26C62D0D}"/>
+                  </a:ext>
+                </a:extLst>
+              </p:cNvPr>
+              <p:cNvSpPr/>
+              <p:nvPr/>
+            </p:nvSpPr>
+            <p:spPr>
+              <a:xfrm>
+                <a:off x="1237403" y="4642137"/>
+                <a:ext cx="1666351" cy="1678662"/>
+              </a:xfrm>
+              <a:custGeom>
+                <a:avLst/>
+                <a:gdLst>
+                  <a:gd name="connsiteX0" fmla="*/ 1073008 w 1666351"/>
+                  <a:gd name="connsiteY0" fmla="*/ 0 h 1678662"/>
+                  <a:gd name="connsiteX1" fmla="*/ 1101379 w 1666351"/>
+                  <a:gd name="connsiteY1" fmla="*/ 13397 h 1678662"/>
+                  <a:gd name="connsiteX2" fmla="*/ 1666351 w 1666351"/>
+                  <a:gd name="connsiteY2" fmla="*/ 839331 h 1678662"/>
+                  <a:gd name="connsiteX3" fmla="*/ 1101379 w 1666351"/>
+                  <a:gd name="connsiteY3" fmla="*/ 1665265 h 1678662"/>
+                  <a:gd name="connsiteX4" fmla="*/ 1073008 w 1666351"/>
+                  <a:gd name="connsiteY4" fmla="*/ 1678662 h 1678662"/>
+                  <a:gd name="connsiteX5" fmla="*/ 1021702 w 1666351"/>
+                  <a:gd name="connsiteY5" fmla="*/ 1665265 h 1678662"/>
+                  <a:gd name="connsiteX6" fmla="*/ 0 w 1666351"/>
+                  <a:gd name="connsiteY6" fmla="*/ 839331 h 1678662"/>
+                  <a:gd name="connsiteX7" fmla="*/ 1021702 w 1666351"/>
+                  <a:gd name="connsiteY7" fmla="*/ 13397 h 1678662"/>
+                  <a:gd name="connsiteX8" fmla="*/ 1073008 w 1666351"/>
+                  <a:gd name="connsiteY8" fmla="*/ 0 h 1678662"/>
+                </a:gdLst>
+                <a:ahLst/>
+                <a:cxnLst>
+                  <a:cxn ang="0">
+                    <a:pos x="connsiteX0" y="connsiteY0"/>
+                  </a:cxn>
+                  <a:cxn ang="0">
+                    <a:pos x="connsiteX1" y="connsiteY1"/>
+                  </a:cxn>
+                  <a:cxn ang="0">
+                    <a:pos x="connsiteX2" y="connsiteY2"/>
+                  </a:cxn>
+                  <a:cxn ang="0">
+                    <a:pos x="connsiteX3" y="connsiteY3"/>
+                  </a:cxn>
+                  <a:cxn ang="0">
+                    <a:pos x="connsiteX4" y="connsiteY4"/>
+                  </a:cxn>
+                  <a:cxn ang="0">
+                    <a:pos x="connsiteX5" y="connsiteY5"/>
+                  </a:cxn>
+                  <a:cxn ang="0">
+                    <a:pos x="connsiteX6" y="connsiteY6"/>
+                  </a:cxn>
+                  <a:cxn ang="0">
+                    <a:pos x="connsiteX7" y="connsiteY7"/>
+                  </a:cxn>
+                  <a:cxn ang="0">
+                    <a:pos x="connsiteX8" y="connsiteY8"/>
+                  </a:cxn>
+                </a:cxnLst>
+                <a:rect l="l" t="t" r="r" b="b"/>
+                <a:pathLst>
+                  <a:path w="1666351" h="1678662">
+                    <a:moveTo>
+                      <a:pt x="1073008" y="0"/>
+                    </a:moveTo>
+                    <a:lnTo>
+                      <a:pt x="1101379" y="13397"/>
+                    </a:lnTo>
+                    <a:cubicBezTo>
+                      <a:pt x="1442243" y="192393"/>
+                      <a:pt x="1666351" y="495519"/>
+                      <a:pt x="1666351" y="839331"/>
+                    </a:cubicBezTo>
+                    <a:cubicBezTo>
+                      <a:pt x="1666351" y="1183143"/>
+                      <a:pt x="1442243" y="1486269"/>
+                      <a:pt x="1101379" y="1665265"/>
+                    </a:cubicBezTo>
+                    <a:lnTo>
+                      <a:pt x="1073008" y="1678662"/>
+                    </a:lnTo>
+                    <a:lnTo>
+                      <a:pt x="1021702" y="1665265"/>
+                    </a:lnTo>
+                    <a:cubicBezTo>
+                      <a:pt x="405280" y="1486269"/>
+                      <a:pt x="0" y="1183143"/>
+                      <a:pt x="0" y="839331"/>
+                    </a:cubicBezTo>
+                    <a:cubicBezTo>
+                      <a:pt x="0" y="495519"/>
+                      <a:pt x="405280" y="192393"/>
+                      <a:pt x="1021702" y="13397"/>
+                    </a:cubicBezTo>
+                    <a:lnTo>
+                      <a:pt x="1073008" y="0"/>
+                    </a:lnTo>
+                    <a:close/>
+                  </a:path>
+                </a:pathLst>
+              </a:custGeom>
+              <a:solidFill>
+                <a:schemeClr val="accent5">
+                  <a:lumMod val="60000"/>
+                  <a:lumOff val="40000"/>
+                </a:schemeClr>
+              </a:solidFill>
+            </p:spPr>
+            <p:style>
+              <a:lnRef idx="1">
+                <a:schemeClr val="accent2"/>
+              </a:lnRef>
+              <a:fillRef idx="2">
+                <a:schemeClr val="accent2"/>
+              </a:fillRef>
+              <a:effectRef idx="1">
+                <a:schemeClr val="accent2"/>
+              </a:effectRef>
+              <a:fontRef idx="minor">
+                <a:schemeClr val="dk1"/>
+              </a:fontRef>
+            </p:style>
+            <p:txBody>
+              <a:bodyPr wrap="square" rtlCol="0" anchor="ctr">
+                <a:noAutofit/>
+              </a:bodyPr>
+              <a:lstStyle/>
+              <a:p>
+                <a:pPr algn="ctr"/>
+                <a:endParaRPr lang="en-US"/>
+              </a:p>
+            </p:txBody>
+          </p:sp>
+        </p:grpSp>
       </p:grpSp>
     </p:spTree>
     <p:extLst>

--- a/Naive_Bayes/images/Bayes_theorem.pptx
+++ b/Naive_Bayes/images/Bayes_theorem.pptx
@@ -3881,7 +3881,7 @@
           </p:nvSpPr>
           <p:spPr>
             <a:xfrm>
-              <a:off x="5886132" y="4667668"/>
+              <a:off x="5777275" y="4667668"/>
               <a:ext cx="1666351" cy="1678662"/>
             </a:xfrm>
             <a:custGeom>
@@ -4024,7 +4024,7 @@
           </p:nvSpPr>
           <p:spPr>
             <a:xfrm>
-              <a:off x="2684831" y="4510956"/>
+              <a:off x="2641287" y="4510956"/>
               <a:ext cx="1969525" cy="1992086"/>
             </a:xfrm>
             <a:custGeom>
@@ -4187,7 +4187,7 @@
           </p:nvSpPr>
           <p:spPr>
             <a:xfrm>
-              <a:off x="6959139" y="4510956"/>
+              <a:off x="6850282" y="4510956"/>
               <a:ext cx="3561710" cy="1992086"/>
             </a:xfrm>
             <a:custGeom>
@@ -4350,7 +4350,7 @@
           </p:nvSpPr>
           <p:spPr>
             <a:xfrm>
-              <a:off x="3587415" y="4667668"/>
+              <a:off x="3543871" y="4667668"/>
               <a:ext cx="1666351" cy="1678662"/>
             </a:xfrm>
             <a:custGeom>
@@ -4479,8 +4479,8 @@
             </a:p>
           </p:txBody>
         </p:sp>
-        <mc:AlternateContent xmlns:mc="http://schemas.openxmlformats.org/markup-compatibility/2006">
-          <mc:Choice xmlns:a14="http://schemas.microsoft.com/office/drawing/2010/main" Requires="a14">
+        <mc:AlternateContent xmlns:mc="http://schemas.openxmlformats.org/markup-compatibility/2006" xmlns:a14="http://schemas.microsoft.com/office/drawing/2010/main">
+          <mc:Choice Requires="a14">
             <p:sp>
               <p:nvSpPr>
                 <p:cNvPr id="36" name="TextBox 35">
@@ -4661,7 +4661,7 @@
               </p:txBody>
             </p:sp>
           </mc:Choice>
-          <mc:Fallback>
+          <mc:Fallback xmlns="">
             <p:sp>
               <p:nvSpPr>
                 <p:cNvPr id="36" name="TextBox 35">
@@ -4706,8 +4706,8 @@
             </p:sp>
           </mc:Fallback>
         </mc:AlternateContent>
-        <mc:AlternateContent xmlns:mc="http://schemas.openxmlformats.org/markup-compatibility/2006">
-          <mc:Choice xmlns:a14="http://schemas.microsoft.com/office/drawing/2010/main" Requires="a14">
+        <mc:AlternateContent xmlns:mc="http://schemas.openxmlformats.org/markup-compatibility/2006" xmlns:a14="http://schemas.microsoft.com/office/drawing/2010/main">
+          <mc:Choice Requires="a14">
             <p:sp>
               <p:nvSpPr>
                 <p:cNvPr id="37" name="TextBox 36">
@@ -4888,7 +4888,7 @@
               </p:txBody>
             </p:sp>
           </mc:Choice>
-          <mc:Fallback>
+          <mc:Fallback xmlns="">
             <p:sp>
               <p:nvSpPr>
                 <p:cNvPr id="37" name="TextBox 36">
@@ -5375,8 +5375,8 @@
               <a:chExt cx="5018676" cy="683502"/>
             </a:xfrm>
           </p:grpSpPr>
-          <mc:AlternateContent xmlns:mc="http://schemas.openxmlformats.org/markup-compatibility/2006">
-            <mc:Choice xmlns:a14="http://schemas.microsoft.com/office/drawing/2010/main" Requires="a14">
+          <mc:AlternateContent xmlns:mc="http://schemas.openxmlformats.org/markup-compatibility/2006" xmlns:a14="http://schemas.microsoft.com/office/drawing/2010/main">
+            <mc:Choice Requires="a14">
               <p:sp>
                 <p:nvSpPr>
                   <p:cNvPr id="11" name="TextBox 10">
@@ -5598,7 +5598,7 @@
                 </p:txBody>
               </p:sp>
             </mc:Choice>
-            <mc:Fallback>
+            <mc:Fallback xmlns="">
               <p:sp>
                 <p:nvSpPr>
                   <p:cNvPr id="11" name="TextBox 10">

--- a/Naive_Bayes/images/Bayes_theorem.pptx
+++ b/Naive_Bayes/images/Bayes_theorem.pptx
@@ -4948,9 +4948,9 @@
           <p:grpSpPr>
             <a:xfrm>
               <a:off x="1766170" y="513567"/>
-              <a:ext cx="9081370" cy="2592888"/>
+              <a:ext cx="8934487" cy="2592888"/>
               <a:chOff x="1766170" y="513567"/>
-              <a:chExt cx="9081370" cy="2592888"/>
+              <a:chExt cx="8934487" cy="2592888"/>
             </a:xfrm>
           </p:grpSpPr>
           <p:sp>
@@ -5222,7 +5222,7 @@
             <p:spPr>
               <a:xfrm>
                 <a:off x="1766170" y="513567"/>
-                <a:ext cx="9081370" cy="2592888"/>
+                <a:ext cx="8934487" cy="2592888"/>
               </a:xfrm>
               <a:prstGeom prst="rect">
                 <a:avLst/>
